--- a/presentation/midSem_Presentation_StorageServices.pptx
+++ b/presentation/midSem_Presentation_StorageServices.pptx
@@ -5,7 +5,7 @@
     <p:sldMasterId id="2147483743" r:id="rId1"/>
   </p:sldMasterIdLst>
   <p:notesMasterIdLst>
-    <p:notesMasterId r:id="rId14"/>
+    <p:notesMasterId r:id="rId15"/>
   </p:notesMasterIdLst>
   <p:sldIdLst>
     <p:sldId id="256" r:id="rId2"/>
@@ -16,10 +16,11 @@
     <p:sldId id="260" r:id="rId7"/>
     <p:sldId id="261" r:id="rId8"/>
     <p:sldId id="264" r:id="rId9"/>
-    <p:sldId id="267" r:id="rId10"/>
-    <p:sldId id="265" r:id="rId11"/>
-    <p:sldId id="268" r:id="rId12"/>
-    <p:sldId id="266" r:id="rId13"/>
+    <p:sldId id="269" r:id="rId10"/>
+    <p:sldId id="267" r:id="rId11"/>
+    <p:sldId id="265" r:id="rId12"/>
+    <p:sldId id="268" r:id="rId13"/>
+    <p:sldId id="266" r:id="rId14"/>
   </p:sldIdLst>
   <p:sldSz cx="12192000" cy="6858000"/>
   <p:notesSz cx="6858000" cy="9144000"/>
@@ -118,6 +119,11 @@
       </a:defRPr>
     </a:lvl9pPr>
   </p:defaultTextStyle>
+  <p:extLst>
+    <p:ext uri="{EFAFB233-063F-42B5-8137-9DF3F51BA10A}">
+      <p15:sldGuideLst xmlns:p15="http://schemas.microsoft.com/office/powerpoint/2012/main"/>
+    </p:ext>
+  </p:extLst>
 </p:presentation>
 </file>
 
@@ -203,7 +209,7 @@
           <a:p>
             <a:fld id="{43EE02E7-ED41-41F2-97EB-57109238EC19}" type="datetimeFigureOut">
               <a:rPr lang="en-US" smtClean="0"/>
-              <a:t>10/29/2018</a:t>
+              <a:t>10/30/2018</a:t>
             </a:fld>
             <a:endParaRPr lang="en-US"/>
           </a:p>
@@ -600,6 +606,248 @@
           <a:lstStyle/>
           <a:p>
             <a:r>
+              <a:rPr lang="en-US" dirty="0" smtClean="0"/>
+              <a:t>A</a:t>
+            </a:r>
+            <a:r>
+              <a:rPr lang="en-US" baseline="0" dirty="0" smtClean="0"/>
+              <a:t> high level overview of </a:t>
+            </a:r>
+            <a:r>
+              <a:rPr lang="en-US" baseline="0" dirty="0" err="1" smtClean="0"/>
+              <a:t>RTabMap</a:t>
+            </a:r>
+            <a:endParaRPr lang="en-US" baseline="0" dirty="0" smtClean="0"/>
+          </a:p>
+          <a:p>
+            <a:pPr marL="0" marR="0" indent="0" algn="l" defTabSz="914400" rtl="0" eaLnBrk="1" fontAlgn="auto" latinLnBrk="0" hangingPunct="1">
+              <a:lnSpc>
+                <a:spcPct val="100000"/>
+              </a:lnSpc>
+              <a:spcBef>
+                <a:spcPts val="0"/>
+              </a:spcBef>
+              <a:spcAft>
+                <a:spcPts val="0"/>
+              </a:spcAft>
+              <a:buClrTx/>
+              <a:buSzTx/>
+              <a:buFontTx/>
+              <a:buNone/>
+              <a:tabLst/>
+              <a:defRPr/>
+            </a:pPr>
+            <a:r>
+              <a:rPr lang="en-US" dirty="0" smtClean="0"/>
+              <a:t>RGB-D,</a:t>
+            </a:r>
+            <a:r>
+              <a:rPr lang="en-US" baseline="0" dirty="0" smtClean="0"/>
+              <a:t> LIDAR, Graph based SLAM, incremental appearance-based loop closure detector</a:t>
+            </a:r>
+            <a:endParaRPr lang="en-US" dirty="0" smtClean="0"/>
+          </a:p>
+          <a:p>
+            <a:endParaRPr lang="en-US" dirty="0" smtClean="0"/>
+          </a:p>
+          <a:p>
+            <a:endParaRPr lang="en-US" dirty="0"/>
+          </a:p>
+        </p:txBody>
+      </p:sp>
+      <p:sp>
+        <p:nvSpPr>
+          <p:cNvPr id="4" name="Slide Number Placeholder 3"/>
+          <p:cNvSpPr>
+            <a:spLocks noGrp="1"/>
+          </p:cNvSpPr>
+          <p:nvPr>
+            <p:ph type="sldNum" sz="quarter" idx="10"/>
+          </p:nvPr>
+        </p:nvSpPr>
+        <p:spPr/>
+        <p:txBody>
+          <a:bodyPr/>
+          <a:lstStyle/>
+          <a:p>
+            <a:fld id="{BA7C265D-8A4C-46DB-9C1B-A77B0871998D}" type="slidenum">
+              <a:rPr lang="en-US" smtClean="0"/>
+              <a:t>3</a:t>
+            </a:fld>
+            <a:endParaRPr lang="en-US"/>
+          </a:p>
+        </p:txBody>
+      </p:sp>
+    </p:spTree>
+    <p:extLst>
+      <p:ext uri="{BB962C8B-B14F-4D97-AF65-F5344CB8AC3E}">
+        <p14:creationId xmlns:p14="http://schemas.microsoft.com/office/powerpoint/2010/main" val="4093307313"/>
+      </p:ext>
+    </p:extLst>
+  </p:cSld>
+  <p:clrMapOvr>
+    <a:masterClrMapping/>
+  </p:clrMapOvr>
+</p:notes>
+</file>
+
+<file path=ppt/notesSlides/notesSlide3.xml><?xml version="1.0" encoding="utf-8"?>
+<p:notes xmlns:a="http://schemas.openxmlformats.org/drawingml/2006/main" xmlns:r="http://schemas.openxmlformats.org/officeDocument/2006/relationships" xmlns:p="http://schemas.openxmlformats.org/presentationml/2006/main">
+  <p:cSld>
+    <p:spTree>
+      <p:nvGrpSpPr>
+        <p:cNvPr id="1" name=""/>
+        <p:cNvGrpSpPr/>
+        <p:nvPr/>
+      </p:nvGrpSpPr>
+      <p:grpSpPr>
+        <a:xfrm>
+          <a:off x="0" y="0"/>
+          <a:ext cx="0" cy="0"/>
+          <a:chOff x="0" y="0"/>
+          <a:chExt cx="0" cy="0"/>
+        </a:xfrm>
+      </p:grpSpPr>
+      <p:sp>
+        <p:nvSpPr>
+          <p:cNvPr id="2" name="Slide Image Placeholder 1"/>
+          <p:cNvSpPr>
+            <a:spLocks noGrp="1" noRot="1" noChangeAspect="1"/>
+          </p:cNvSpPr>
+          <p:nvPr>
+            <p:ph type="sldImg"/>
+          </p:nvPr>
+        </p:nvSpPr>
+        <p:spPr/>
+      </p:sp>
+      <p:sp>
+        <p:nvSpPr>
+          <p:cNvPr id="3" name="Notes Placeholder 2"/>
+          <p:cNvSpPr>
+            <a:spLocks noGrp="1"/>
+          </p:cNvSpPr>
+          <p:nvPr>
+            <p:ph type="body" idx="1"/>
+          </p:nvPr>
+        </p:nvSpPr>
+        <p:spPr/>
+        <p:txBody>
+          <a:bodyPr/>
+          <a:lstStyle/>
+          <a:p>
+            <a:pPr marL="0" marR="0" indent="0" algn="l" defTabSz="914400" rtl="0" eaLnBrk="1" fontAlgn="auto" latinLnBrk="0" hangingPunct="1">
+              <a:lnSpc>
+                <a:spcPct val="100000"/>
+              </a:lnSpc>
+              <a:spcBef>
+                <a:spcPts val="0"/>
+              </a:spcBef>
+              <a:spcAft>
+                <a:spcPts val="0"/>
+              </a:spcAft>
+              <a:buClrTx/>
+              <a:buSzTx/>
+              <a:buFontTx/>
+              <a:buNone/>
+              <a:tabLst/>
+              <a:defRPr/>
+            </a:pPr>
+            <a:r>
+              <a:rPr lang="en-US" dirty="0" smtClean="0"/>
+              <a:t>Go</a:t>
+            </a:r>
+            <a:r>
+              <a:rPr lang="en-US" baseline="0" dirty="0" smtClean="0"/>
+              <a:t> over STM, WM, LTM  to give the picture that we cant have everything on RAM</a:t>
+            </a:r>
+            <a:endParaRPr lang="en-US" dirty="0" smtClean="0"/>
+          </a:p>
+          <a:p>
+            <a:endParaRPr lang="en-US" dirty="0"/>
+          </a:p>
+        </p:txBody>
+      </p:sp>
+      <p:sp>
+        <p:nvSpPr>
+          <p:cNvPr id="4" name="Slide Number Placeholder 3"/>
+          <p:cNvSpPr>
+            <a:spLocks noGrp="1"/>
+          </p:cNvSpPr>
+          <p:nvPr>
+            <p:ph type="sldNum" sz="quarter" idx="10"/>
+          </p:nvPr>
+        </p:nvSpPr>
+        <p:spPr/>
+        <p:txBody>
+          <a:bodyPr/>
+          <a:lstStyle/>
+          <a:p>
+            <a:fld id="{BA7C265D-8A4C-46DB-9C1B-A77B0871998D}" type="slidenum">
+              <a:rPr lang="en-US" smtClean="0"/>
+              <a:t>4</a:t>
+            </a:fld>
+            <a:endParaRPr lang="en-US"/>
+          </a:p>
+        </p:txBody>
+      </p:sp>
+    </p:spTree>
+    <p:extLst>
+      <p:ext uri="{BB962C8B-B14F-4D97-AF65-F5344CB8AC3E}">
+        <p14:creationId xmlns:p14="http://schemas.microsoft.com/office/powerpoint/2010/main" val="1987510680"/>
+      </p:ext>
+    </p:extLst>
+  </p:cSld>
+  <p:clrMapOvr>
+    <a:masterClrMapping/>
+  </p:clrMapOvr>
+</p:notes>
+</file>
+
+<file path=ppt/notesSlides/notesSlide4.xml><?xml version="1.0" encoding="utf-8"?>
+<p:notes xmlns:a="http://schemas.openxmlformats.org/drawingml/2006/main" xmlns:r="http://schemas.openxmlformats.org/officeDocument/2006/relationships" xmlns:p="http://schemas.openxmlformats.org/presentationml/2006/main">
+  <p:cSld>
+    <p:spTree>
+      <p:nvGrpSpPr>
+        <p:cNvPr id="1" name=""/>
+        <p:cNvGrpSpPr/>
+        <p:nvPr/>
+      </p:nvGrpSpPr>
+      <p:grpSpPr>
+        <a:xfrm>
+          <a:off x="0" y="0"/>
+          <a:ext cx="0" cy="0"/>
+          <a:chOff x="0" y="0"/>
+          <a:chExt cx="0" cy="0"/>
+        </a:xfrm>
+      </p:grpSpPr>
+      <p:sp>
+        <p:nvSpPr>
+          <p:cNvPr id="2" name="Slide Image Placeholder 1"/>
+          <p:cNvSpPr>
+            <a:spLocks noGrp="1" noRot="1" noChangeAspect="1"/>
+          </p:cNvSpPr>
+          <p:nvPr>
+            <p:ph type="sldImg"/>
+          </p:nvPr>
+        </p:nvSpPr>
+        <p:spPr/>
+      </p:sp>
+      <p:sp>
+        <p:nvSpPr>
+          <p:cNvPr id="3" name="Notes Placeholder 2"/>
+          <p:cNvSpPr>
+            <a:spLocks noGrp="1"/>
+          </p:cNvSpPr>
+          <p:nvPr>
+            <p:ph type="body" idx="1"/>
+          </p:nvPr>
+        </p:nvSpPr>
+        <p:spPr/>
+        <p:txBody>
+          <a:bodyPr/>
+          <a:lstStyle/>
+          <a:p>
+            <a:r>
               <a:rPr lang="en-US" b="1" dirty="0" err="1" smtClean="0"/>
               <a:t>RTabMap</a:t>
             </a:r>
@@ -648,6 +896,90 @@
     <p:extLst>
       <p:ext uri="{BB962C8B-B14F-4D97-AF65-F5344CB8AC3E}">
         <p14:creationId xmlns:p14="http://schemas.microsoft.com/office/powerpoint/2010/main" val="209003466"/>
+      </p:ext>
+    </p:extLst>
+  </p:cSld>
+  <p:clrMapOvr>
+    <a:masterClrMapping/>
+  </p:clrMapOvr>
+</p:notes>
+</file>
+
+<file path=ppt/notesSlides/notesSlide5.xml><?xml version="1.0" encoding="utf-8"?>
+<p:notes xmlns:a="http://schemas.openxmlformats.org/drawingml/2006/main" xmlns:r="http://schemas.openxmlformats.org/officeDocument/2006/relationships" xmlns:p="http://schemas.openxmlformats.org/presentationml/2006/main">
+  <p:cSld>
+    <p:spTree>
+      <p:nvGrpSpPr>
+        <p:cNvPr id="1" name=""/>
+        <p:cNvGrpSpPr/>
+        <p:nvPr/>
+      </p:nvGrpSpPr>
+      <p:grpSpPr>
+        <a:xfrm>
+          <a:off x="0" y="0"/>
+          <a:ext cx="0" cy="0"/>
+          <a:chOff x="0" y="0"/>
+          <a:chExt cx="0" cy="0"/>
+        </a:xfrm>
+      </p:grpSpPr>
+      <p:sp>
+        <p:nvSpPr>
+          <p:cNvPr id="2" name="Slide Image Placeholder 1"/>
+          <p:cNvSpPr>
+            <a:spLocks noGrp="1" noRot="1" noChangeAspect="1"/>
+          </p:cNvSpPr>
+          <p:nvPr>
+            <p:ph type="sldImg"/>
+          </p:nvPr>
+        </p:nvSpPr>
+        <p:spPr/>
+      </p:sp>
+      <p:sp>
+        <p:nvSpPr>
+          <p:cNvPr id="3" name="Notes Placeholder 2"/>
+          <p:cNvSpPr>
+            <a:spLocks noGrp="1"/>
+          </p:cNvSpPr>
+          <p:nvPr>
+            <p:ph type="body" idx="1"/>
+          </p:nvPr>
+        </p:nvSpPr>
+        <p:spPr/>
+        <p:txBody>
+          <a:bodyPr/>
+          <a:lstStyle/>
+          <a:p>
+            <a:endParaRPr lang="en-US" dirty="0"/>
+          </a:p>
+        </p:txBody>
+      </p:sp>
+      <p:sp>
+        <p:nvSpPr>
+          <p:cNvPr id="4" name="Slide Number Placeholder 3"/>
+          <p:cNvSpPr>
+            <a:spLocks noGrp="1"/>
+          </p:cNvSpPr>
+          <p:nvPr>
+            <p:ph type="sldNum" sz="quarter" idx="10"/>
+          </p:nvPr>
+        </p:nvSpPr>
+        <p:spPr/>
+        <p:txBody>
+          <a:bodyPr/>
+          <a:lstStyle/>
+          <a:p>
+            <a:fld id="{BA7C265D-8A4C-46DB-9C1B-A77B0871998D}" type="slidenum">
+              <a:rPr lang="en-US" smtClean="0"/>
+              <a:t>6</a:t>
+            </a:fld>
+            <a:endParaRPr lang="en-US"/>
+          </a:p>
+        </p:txBody>
+      </p:sp>
+    </p:spTree>
+    <p:extLst>
+      <p:ext uri="{BB962C8B-B14F-4D97-AF65-F5344CB8AC3E}">
+        <p14:creationId xmlns:p14="http://schemas.microsoft.com/office/powerpoint/2010/main" val="762049048"/>
       </p:ext>
     </p:extLst>
   </p:cSld>
@@ -788,7 +1120,7 @@
           <a:p>
             <a:fld id="{9C4B270C-573A-4758-9C90-876CD4F7DE42}" type="datetimeFigureOut">
               <a:rPr lang="en-US" smtClean="0"/>
-              <a:t>10/29/2018</a:t>
+              <a:t>10/30/2018</a:t>
             </a:fld>
             <a:endParaRPr lang="en-US"/>
           </a:p>
@@ -958,7 +1290,7 @@
           <a:p>
             <a:fld id="{9C4B270C-573A-4758-9C90-876CD4F7DE42}" type="datetimeFigureOut">
               <a:rPr lang="en-US" smtClean="0"/>
-              <a:t>10/29/2018</a:t>
+              <a:t>10/30/2018</a:t>
             </a:fld>
             <a:endParaRPr lang="en-US"/>
           </a:p>
@@ -1138,7 +1470,7 @@
           <a:p>
             <a:fld id="{9C4B270C-573A-4758-9C90-876CD4F7DE42}" type="datetimeFigureOut">
               <a:rPr lang="en-US" smtClean="0"/>
-              <a:t>10/29/2018</a:t>
+              <a:t>10/30/2018</a:t>
             </a:fld>
             <a:endParaRPr lang="en-US"/>
           </a:p>
@@ -1308,7 +1640,7 @@
           <a:p>
             <a:fld id="{9C4B270C-573A-4758-9C90-876CD4F7DE42}" type="datetimeFigureOut">
               <a:rPr lang="en-US" smtClean="0"/>
-              <a:t>10/29/2018</a:t>
+              <a:t>10/30/2018</a:t>
             </a:fld>
             <a:endParaRPr lang="en-US"/>
           </a:p>
@@ -1554,7 +1886,7 @@
           <a:p>
             <a:fld id="{9C4B270C-573A-4758-9C90-876CD4F7DE42}" type="datetimeFigureOut">
               <a:rPr lang="en-US" smtClean="0"/>
-              <a:t>10/29/2018</a:t>
+              <a:t>10/30/2018</a:t>
             </a:fld>
             <a:endParaRPr lang="en-US"/>
           </a:p>
@@ -1786,7 +2118,7 @@
           <a:p>
             <a:fld id="{9C4B270C-573A-4758-9C90-876CD4F7DE42}" type="datetimeFigureOut">
               <a:rPr lang="en-US" smtClean="0"/>
-              <a:t>10/29/2018</a:t>
+              <a:t>10/30/2018</a:t>
             </a:fld>
             <a:endParaRPr lang="en-US"/>
           </a:p>
@@ -2153,7 +2485,7 @@
           <a:p>
             <a:fld id="{9C4B270C-573A-4758-9C90-876CD4F7DE42}" type="datetimeFigureOut">
               <a:rPr lang="en-US" smtClean="0"/>
-              <a:t>10/29/2018</a:t>
+              <a:t>10/30/2018</a:t>
             </a:fld>
             <a:endParaRPr lang="en-US"/>
           </a:p>
@@ -2271,7 +2603,7 @@
           <a:p>
             <a:fld id="{9C4B270C-573A-4758-9C90-876CD4F7DE42}" type="datetimeFigureOut">
               <a:rPr lang="en-US" smtClean="0"/>
-              <a:t>10/29/2018</a:t>
+              <a:t>10/30/2018</a:t>
             </a:fld>
             <a:endParaRPr lang="en-US"/>
           </a:p>
@@ -2366,7 +2698,7 @@
           <a:p>
             <a:fld id="{9C4B270C-573A-4758-9C90-876CD4F7DE42}" type="datetimeFigureOut">
               <a:rPr lang="en-US" smtClean="0"/>
-              <a:t>10/29/2018</a:t>
+              <a:t>10/30/2018</a:t>
             </a:fld>
             <a:endParaRPr lang="en-US"/>
           </a:p>
@@ -2643,7 +2975,7 @@
           <a:p>
             <a:fld id="{9C4B270C-573A-4758-9C90-876CD4F7DE42}" type="datetimeFigureOut">
               <a:rPr lang="en-US" smtClean="0"/>
-              <a:t>10/29/2018</a:t>
+              <a:t>10/30/2018</a:t>
             </a:fld>
             <a:endParaRPr lang="en-US"/>
           </a:p>
@@ -2896,7 +3228,7 @@
           <a:p>
             <a:fld id="{9C4B270C-573A-4758-9C90-876CD4F7DE42}" type="datetimeFigureOut">
               <a:rPr lang="en-US" smtClean="0"/>
-              <a:t>10/29/2018</a:t>
+              <a:t>10/30/2018</a:t>
             </a:fld>
             <a:endParaRPr lang="en-US"/>
           </a:p>
@@ -3109,7 +3441,7 @@
           <a:p>
             <a:fld id="{9C4B270C-573A-4758-9C90-876CD4F7DE42}" type="datetimeFigureOut">
               <a:rPr lang="en-US" smtClean="0"/>
-              <a:t>10/29/2018</a:t>
+              <a:t>10/30/2018</a:t>
             </a:fld>
             <a:endParaRPr lang="en-US"/>
           </a:p>
@@ -3639,7 +3971,7 @@
           <a:p>
             <a:r>
               <a:rPr lang="en-US" b="1" dirty="0" smtClean="0"/>
-              <a:t>Further work</a:t>
+              <a:t>Progress so far</a:t>
             </a:r>
             <a:endParaRPr lang="en-US" b="1" dirty="0"/>
           </a:p>
@@ -3657,49 +3989,103 @@
         </p:nvSpPr>
         <p:spPr/>
         <p:txBody>
-          <a:bodyPr/>
-          <a:lstStyle/>
-          <a:p>
+          <a:bodyPr>
+            <a:normAutofit/>
+          </a:bodyPr>
+          <a:lstStyle/>
+          <a:p>
+            <a:r>
+              <a:rPr lang="en-US" b="1" dirty="0" err="1"/>
+              <a:t>RTabMap</a:t>
+            </a:r>
+            <a:endParaRPr lang="en-US" b="1" dirty="0"/>
+          </a:p>
+          <a:p>
+            <a:pPr lvl="1"/>
             <a:r>
               <a:rPr lang="en-US" dirty="0" smtClean="0"/>
-              <a:t>Aggressive Caching on Client based on client storage/memory.</a:t>
-            </a:r>
-          </a:p>
-          <a:p>
+              <a:t>Build the main point cloud based on the information from the map DB.</a:t>
+            </a:r>
+          </a:p>
+          <a:p>
+            <a:r>
+              <a:rPr lang="en-US" b="1" dirty="0" smtClean="0"/>
+              <a:t>Server Thread</a:t>
+            </a:r>
+          </a:p>
+          <a:p>
+            <a:pPr lvl="1"/>
             <a:r>
               <a:rPr lang="en-US" dirty="0" smtClean="0"/>
-              <a:t>Opportunistic fetching of areas of interest from the Server.</a:t>
-            </a:r>
-          </a:p>
-          <a:p>
+              <a:t>Server – </a:t>
+            </a:r>
+            <a:r>
+              <a:rPr lang="en-US" dirty="0" err="1" smtClean="0"/>
+              <a:t>RTabMap</a:t>
+            </a:r>
             <a:r>
               <a:rPr lang="en-US" dirty="0" smtClean="0"/>
-              <a:t>Compress/</a:t>
-            </a:r>
-            <a:r>
-              <a:rPr lang="en-US" dirty="0"/>
-              <a:t>D</a:t>
-            </a:r>
+              <a:t> interface.</a:t>
+            </a:r>
+          </a:p>
+          <a:p>
+            <a:pPr lvl="1"/>
             <a:r>
               <a:rPr lang="en-US" dirty="0" smtClean="0"/>
-              <a:t>ecompress the transmitted ply file to better use the Network (Experiment if this would really improve).</a:t>
-            </a:r>
-          </a:p>
-          <a:p>
-            <a:endParaRPr lang="en-US" dirty="0" smtClean="0"/>
-          </a:p>
-          <a:p>
-            <a:endParaRPr lang="en-US" dirty="0" smtClean="0"/>
-          </a:p>
-          <a:p>
-            <a:endParaRPr lang="en-US" dirty="0"/>
+              <a:t>Server Client interaction. Server accepts a request of the form </a:t>
+            </a:r>
+            <a:r>
+              <a:rPr lang="en-US" i="1" dirty="0" smtClean="0"/>
+              <a:t>(x, y, radius)</a:t>
+            </a:r>
+            <a:r>
+              <a:rPr lang="en-US" dirty="0" smtClean="0"/>
+              <a:t> from a client and returns portion of the map as point cloud in a binary format.</a:t>
+            </a:r>
+            <a:endParaRPr lang="en-US" i="1" dirty="0" smtClean="0"/>
+          </a:p>
+          <a:p>
+            <a:r>
+              <a:rPr lang="en-US" b="1" dirty="0" smtClean="0"/>
+              <a:t>Client process</a:t>
+            </a:r>
+          </a:p>
+          <a:p>
+            <a:pPr lvl="1"/>
+            <a:r>
+              <a:rPr lang="en-US" dirty="0" smtClean="0"/>
+              <a:t>Client </a:t>
+            </a:r>
+            <a:r>
+              <a:rPr lang="mr-IN" dirty="0" smtClean="0"/>
+              <a:t>–</a:t>
+            </a:r>
+            <a:r>
+              <a:rPr lang="en-US" dirty="0" smtClean="0"/>
+              <a:t> Server interaction.</a:t>
+            </a:r>
+          </a:p>
+          <a:p>
+            <a:pPr lvl="1"/>
+            <a:r>
+              <a:rPr lang="en-US" dirty="0" smtClean="0"/>
+              <a:t>Client </a:t>
+            </a:r>
+            <a:r>
+              <a:rPr lang="mr-IN" dirty="0" smtClean="0"/>
+              <a:t>–</a:t>
+            </a:r>
+            <a:r>
+              <a:rPr lang="en-US" dirty="0" smtClean="0"/>
+              <a:t> point cloud viewer integration.</a:t>
+            </a:r>
           </a:p>
         </p:txBody>
       </p:sp>
     </p:spTree>
     <p:extLst>
       <p:ext uri="{BB962C8B-B14F-4D97-AF65-F5344CB8AC3E}">
-        <p14:creationId xmlns:p14="http://schemas.microsoft.com/office/powerpoint/2010/main" val="446182778"/>
+        <p14:creationId xmlns:p14="http://schemas.microsoft.com/office/powerpoint/2010/main" val="3000242010"/>
       </p:ext>
     </p:extLst>
   </p:cSld>
@@ -3743,6 +4129,117 @@
             <p:ph type="title"/>
           </p:nvPr>
         </p:nvSpPr>
+        <p:spPr/>
+        <p:txBody>
+          <a:bodyPr/>
+          <a:lstStyle/>
+          <a:p>
+            <a:r>
+              <a:rPr lang="en-US" b="1" dirty="0" smtClean="0"/>
+              <a:t>Further work</a:t>
+            </a:r>
+            <a:endParaRPr lang="en-US" b="1" dirty="0"/>
+          </a:p>
+        </p:txBody>
+      </p:sp>
+      <p:sp>
+        <p:nvSpPr>
+          <p:cNvPr id="3" name="Content Placeholder 2"/>
+          <p:cNvSpPr>
+            <a:spLocks noGrp="1"/>
+          </p:cNvSpPr>
+          <p:nvPr>
+            <p:ph idx="1"/>
+          </p:nvPr>
+        </p:nvSpPr>
+        <p:spPr/>
+        <p:txBody>
+          <a:bodyPr/>
+          <a:lstStyle/>
+          <a:p>
+            <a:r>
+              <a:rPr lang="en-US" dirty="0" smtClean="0"/>
+              <a:t>Aggressive Caching on Client based on client storage/memory.</a:t>
+            </a:r>
+          </a:p>
+          <a:p>
+            <a:r>
+              <a:rPr lang="en-US" dirty="0" smtClean="0"/>
+              <a:t>Opportunistic fetching of areas of interest from the Server.</a:t>
+            </a:r>
+          </a:p>
+          <a:p>
+            <a:r>
+              <a:rPr lang="en-US" dirty="0" smtClean="0"/>
+              <a:t>Compress/</a:t>
+            </a:r>
+            <a:r>
+              <a:rPr lang="en-US" dirty="0"/>
+              <a:t>D</a:t>
+            </a:r>
+            <a:r>
+              <a:rPr lang="en-US" dirty="0" smtClean="0"/>
+              <a:t>ecompress the transmitted ply file to better use the Network (Experiment if this would really improve).</a:t>
+            </a:r>
+          </a:p>
+          <a:p>
+            <a:endParaRPr lang="en-US" dirty="0" smtClean="0"/>
+          </a:p>
+          <a:p>
+            <a:endParaRPr lang="en-US" dirty="0" smtClean="0"/>
+          </a:p>
+          <a:p>
+            <a:endParaRPr lang="en-US" dirty="0"/>
+          </a:p>
+        </p:txBody>
+      </p:sp>
+    </p:spTree>
+    <p:extLst>
+      <p:ext uri="{BB962C8B-B14F-4D97-AF65-F5344CB8AC3E}">
+        <p14:creationId xmlns:p14="http://schemas.microsoft.com/office/powerpoint/2010/main" val="446182778"/>
+      </p:ext>
+    </p:extLst>
+  </p:cSld>
+  <p:clrMapOvr>
+    <a:masterClrMapping/>
+  </p:clrMapOvr>
+  <p:timing>
+    <p:tnLst>
+      <p:par>
+        <p:cTn id="1" dur="indefinite" restart="never" nodeType="tmRoot"/>
+      </p:par>
+    </p:tnLst>
+  </p:timing>
+</p:sld>
+</file>
+
+<file path=ppt/slides/slide12.xml><?xml version="1.0" encoding="utf-8"?>
+<p:sld xmlns:a="http://schemas.openxmlformats.org/drawingml/2006/main" xmlns:r="http://schemas.openxmlformats.org/officeDocument/2006/relationships" xmlns:p="http://schemas.openxmlformats.org/presentationml/2006/main">
+  <p:cSld>
+    <p:spTree>
+      <p:nvGrpSpPr>
+        <p:cNvPr id="1" name=""/>
+        <p:cNvGrpSpPr/>
+        <p:nvPr/>
+      </p:nvGrpSpPr>
+      <p:grpSpPr>
+        <a:xfrm>
+          <a:off x="0" y="0"/>
+          <a:ext cx="0" cy="0"/>
+          <a:chOff x="0" y="0"/>
+          <a:chExt cx="0" cy="0"/>
+        </a:xfrm>
+      </p:grpSpPr>
+      <p:sp>
+        <p:nvSpPr>
+          <p:cNvPr id="2" name="Title 1"/>
+          <p:cNvSpPr>
+            <a:spLocks noGrp="1"/>
+          </p:cNvSpPr>
+          <p:nvPr>
+            <p:ph type="title"/>
+          </p:nvPr>
+        </p:nvSpPr>
         <p:spPr>
           <a:xfrm>
             <a:off x="831850" y="1709738"/>
@@ -3801,7 +4298,7 @@
 </p:sld>
 </file>
 
-<file path=ppt/slides/slide12.xml><?xml version="1.0" encoding="utf-8"?>
+<file path=ppt/slides/slide13.xml><?xml version="1.0" encoding="utf-8"?>
 <p:sld xmlns:a="http://schemas.openxmlformats.org/drawingml/2006/main" xmlns:r="http://schemas.openxmlformats.org/officeDocument/2006/relationships" xmlns:p="http://schemas.openxmlformats.org/presentationml/2006/main">
   <p:cSld>
     <p:spTree>
@@ -4075,37 +4572,48 @@
               <a:buNone/>
             </a:pPr>
             <a:r>
-              <a:rPr lang="en-US" b="1" dirty="0" err="1" smtClean="0"/>
+              <a:rPr lang="en-US" b="1" dirty="0" err="1"/>
               <a:t>RTabMap</a:t>
             </a:r>
             <a:r>
-              <a:rPr lang="en-US" b="1" dirty="0" smtClean="0"/>
+              <a:rPr lang="en-US" b="1" dirty="0"/>
               <a:t> Summary</a:t>
             </a:r>
           </a:p>
           <a:p>
             <a:pPr lvl="1"/>
             <a:r>
-              <a:rPr lang="en-US" dirty="0" smtClean="0"/>
+              <a:rPr lang="en-US" dirty="0"/>
+              <a:t>Limited on-board capabilities -&gt; robots limit the size of map </a:t>
+            </a:r>
+          </a:p>
+          <a:p>
+            <a:pPr lvl="1"/>
+            <a:r>
+              <a:rPr lang="en-US" dirty="0"/>
+              <a:t>Sensor memory, Short-term memory, Working memory, Long-term memory</a:t>
+            </a:r>
+          </a:p>
+          <a:p>
+            <a:pPr lvl="1"/>
+            <a:r>
+              <a:rPr lang="en-US" dirty="0"/>
+              <a:t>Contents moved between Working memory and Long-term memory</a:t>
+            </a:r>
+          </a:p>
+          <a:p>
+            <a:pPr lvl="1"/>
+            <a:r>
+              <a:rPr lang="en-US" dirty="0"/>
+              <a:t>Loop-closure detection based on bag of words approach</a:t>
+            </a:r>
+          </a:p>
+          <a:p>
+            <a:pPr lvl="1"/>
+            <a:r>
+              <a:rPr lang="en-US" dirty="0"/>
               <a:t>RGB-D , LIDAR, Graph based SLAM</a:t>
             </a:r>
-          </a:p>
-          <a:p>
-            <a:pPr lvl="1"/>
-            <a:r>
-              <a:rPr lang="en-US" dirty="0" smtClean="0"/>
-              <a:t>Loop-closure detection by bag of words</a:t>
-            </a:r>
-          </a:p>
-          <a:p>
-            <a:endParaRPr lang="en-US" dirty="0" smtClean="0"/>
-          </a:p>
-          <a:p>
-            <a:r>
-              <a:rPr lang="en-US" dirty="0" smtClean="0"/>
-              <a:t>&lt;Have to add more&gt;</a:t>
-            </a:r>
-            <a:endParaRPr lang="en-US" dirty="0"/>
           </a:p>
         </p:txBody>
       </p:sp>
@@ -4184,7 +4692,7 @@
           </p:nvPr>
         </p:nvPicPr>
         <p:blipFill>
-          <a:blip r:embed="rId2"/>
+          <a:blip r:embed="rId3"/>
           <a:stretch>
             <a:fillRect/>
           </a:stretch>
@@ -4279,7 +4787,7 @@
         </p:spPr>
         <p:txBody>
           <a:bodyPr>
-            <a:normAutofit fontScale="92500" lnSpcReduction="10000"/>
+            <a:normAutofit/>
           </a:bodyPr>
           <a:lstStyle/>
           <a:p>
@@ -4288,130 +4796,39 @@
             </a:pPr>
             <a:r>
               <a:rPr lang="en-US" b="1" dirty="0" smtClean="0"/>
-              <a:t>Bottlenecks</a:t>
-            </a:r>
-            <a:r>
-              <a:rPr lang="en-US" b="1" dirty="0" smtClean="0"/>
-              <a:t>:</a:t>
+              <a:t>Bottlenecks:</a:t>
             </a:r>
             <a:endParaRPr lang="en-US" dirty="0" smtClean="0"/>
           </a:p>
           <a:p>
             <a:pPr lvl="1"/>
             <a:r>
-              <a:rPr lang="en-US" dirty="0" smtClean="0"/>
+              <a:rPr lang="en-US" dirty="0"/>
               <a:t>Larger captures will result in large </a:t>
             </a:r>
             <a:r>
-              <a:rPr lang="en-US" dirty="0" err="1" smtClean="0"/>
+              <a:rPr lang="en-US" dirty="0" err="1"/>
               <a:t>db</a:t>
             </a:r>
             <a:r>
-              <a:rPr lang="en-US" dirty="0" smtClean="0"/>
+              <a:rPr lang="en-US" dirty="0"/>
               <a:t> files -&gt; harder to use on thin-clients.</a:t>
             </a:r>
           </a:p>
           <a:p>
             <a:pPr lvl="1"/>
             <a:r>
-              <a:rPr lang="en-US" dirty="0" smtClean="0"/>
+              <a:rPr lang="en-US" dirty="0"/>
               <a:t>Thin clients cant localize since they cant load large </a:t>
             </a:r>
             <a:r>
-              <a:rPr lang="en-US" dirty="0" err="1" smtClean="0"/>
+              <a:rPr lang="en-US" dirty="0" err="1"/>
               <a:t>db</a:t>
             </a:r>
             <a:r>
-              <a:rPr lang="en-US" dirty="0" smtClean="0"/>
-              <a:t>-files.</a:t>
-            </a:r>
-            <a:endParaRPr lang="en-US" b="1" dirty="0" smtClean="0"/>
-          </a:p>
-          <a:p>
-            <a:pPr marL="0" lvl="1" indent="0">
-              <a:buNone/>
-            </a:pPr>
-            <a:r>
-              <a:rPr lang="en-US" sz="2800" b="1" dirty="0" smtClean="0"/>
-              <a:t>Assumptions</a:t>
-            </a:r>
-            <a:r>
-              <a:rPr lang="en-US" sz="2800" b="1" dirty="0" smtClean="0"/>
-              <a:t> :</a:t>
-            </a:r>
-            <a:endParaRPr lang="en-US" sz="2400" dirty="0" smtClean="0"/>
-          </a:p>
-          <a:p>
-            <a:pPr lvl="1"/>
-            <a:r>
-              <a:rPr lang="en-US" dirty="0" smtClean="0"/>
-              <a:t>Localization</a:t>
-            </a:r>
-          </a:p>
-          <a:p>
-            <a:pPr lvl="2"/>
-            <a:r>
-              <a:rPr lang="en-US" dirty="0" smtClean="0"/>
-              <a:t>Localization is done, </a:t>
-            </a:r>
-            <a:r>
-              <a:rPr lang="en-US" dirty="0" err="1" smtClean="0"/>
-              <a:t>ie</a:t>
-            </a:r>
-            <a:r>
-              <a:rPr lang="en-US" dirty="0" smtClean="0"/>
-              <a:t> we have co-ordinates of the client position</a:t>
-            </a:r>
-          </a:p>
-          <a:p>
-            <a:pPr lvl="1"/>
-            <a:r>
-              <a:rPr lang="en-US" dirty="0" smtClean="0"/>
-              <a:t>Client</a:t>
-            </a:r>
-          </a:p>
-          <a:p>
-            <a:pPr lvl="2"/>
-            <a:r>
-              <a:rPr lang="en-US" dirty="0" smtClean="0"/>
-              <a:t>Has connectivity to the server.</a:t>
-            </a:r>
-          </a:p>
-          <a:p>
-            <a:pPr lvl="2"/>
-            <a:r>
-              <a:rPr lang="en-US" dirty="0" smtClean="0"/>
-              <a:t>Try to use the Server for compute and storage.</a:t>
-            </a:r>
-          </a:p>
-          <a:p>
-            <a:pPr lvl="1"/>
-            <a:r>
-              <a:rPr lang="en-US" dirty="0" smtClean="0"/>
-              <a:t>Server</a:t>
-            </a:r>
-          </a:p>
-          <a:p>
-            <a:pPr lvl="2"/>
-            <a:r>
-              <a:rPr lang="en-US" dirty="0" smtClean="0"/>
-              <a:t>Has enough memory to store the point cloud on memory (or) can store </a:t>
-            </a:r>
-            <a:r>
-              <a:rPr lang="en-US" dirty="0" smtClean="0"/>
-              <a:t>on storage and fetch it back by taking a small hit on performance.</a:t>
-            </a:r>
-          </a:p>
-          <a:p>
-            <a:pPr lvl="2"/>
-            <a:r>
-              <a:rPr lang="en-US" dirty="0" smtClean="0"/>
-              <a:t>Serves the requests by clients in a state-less fashion.</a:t>
-            </a:r>
-            <a:endParaRPr lang="en-US" dirty="0" smtClean="0"/>
-          </a:p>
-          <a:p>
-            <a:pPr lvl="1"/>
+              <a:rPr lang="en-US" dirty="0"/>
+              <a:t>-files</a:t>
+            </a:r>
             <a:endParaRPr lang="en-US" dirty="0"/>
           </a:p>
         </p:txBody>
@@ -4510,14 +4927,14 @@
             <a:pPr lvl="1"/>
             <a:r>
               <a:rPr lang="en-US" sz="2000" b="1" dirty="0" smtClean="0"/>
-              <a:t>Fetching the Map ( Storage Service):</a:t>
+              <a:t>Fetching the Map (Storage Service):</a:t>
             </a:r>
           </a:p>
           <a:p>
             <a:pPr lvl="2"/>
             <a:r>
               <a:rPr lang="en-US" sz="1800" dirty="0" smtClean="0"/>
-              <a:t>Client requests the server for a portion of the map and gets it from the point-cloud cache and displays it to the user.</a:t>
+              <a:t>Client makes a request to the server for a portion of the map, gets it from the point-cloud cache and displays it to the user.</a:t>
             </a:r>
           </a:p>
           <a:p>
@@ -4544,7 +4961,7 @@
         </p:nvSpPr>
         <p:spPr>
           <a:xfrm>
-            <a:off x="1828800" y="5004716"/>
+            <a:off x="1510135" y="5087846"/>
             <a:ext cx="2219212" cy="992119"/>
           </a:xfrm>
           <a:prstGeom prst="rect">
@@ -4586,8 +5003,8 @@
         </p:nvSpPr>
         <p:spPr>
           <a:xfrm>
-            <a:off x="7508836" y="5004716"/>
-            <a:ext cx="3012142" cy="833165"/>
+            <a:off x="7055261" y="5222756"/>
+            <a:ext cx="2958353" cy="833165"/>
           </a:xfrm>
           <a:prstGeom prst="rect">
             <a:avLst/>
@@ -4630,8 +5047,8 @@
         </p:nvSpPr>
         <p:spPr>
           <a:xfrm>
-            <a:off x="7519594" y="4171551"/>
-            <a:ext cx="3001384" cy="833165"/>
+            <a:off x="7051856" y="4115014"/>
+            <a:ext cx="2961756" cy="833165"/>
           </a:xfrm>
           <a:prstGeom prst="rect">
             <a:avLst/>
@@ -4688,7 +5105,7 @@
         </p:nvSpPr>
         <p:spPr>
           <a:xfrm rot="16200000">
-            <a:off x="10533589" y="1896087"/>
+            <a:off x="10151222" y="2360135"/>
             <a:ext cx="844474" cy="1203960"/>
           </a:xfrm>
           <a:prstGeom prst="flowChartMagneticDrum">
@@ -4730,17 +5147,20 @@
         <p:nvCxnSpPr>
           <p:cNvPr id="9" name="Elbow Connector 8"/>
           <p:cNvCxnSpPr>
-            <a:stCxn id="7" idx="3"/>
+            <a:stCxn id="7" idx="0"/>
+            <a:endCxn id="8" idx="1"/>
           </p:cNvCxnSpPr>
           <p:nvPr/>
         </p:nvCxnSpPr>
         <p:spPr>
-          <a:xfrm flipV="1">
-            <a:off x="10520978" y="2890257"/>
-            <a:ext cx="477592" cy="1697877"/>
+          <a:xfrm rot="5400000" flipH="1" flipV="1">
+            <a:off x="9187765" y="2729321"/>
+            <a:ext cx="730662" cy="2040725"/>
           </a:xfrm>
-          <a:prstGeom prst="bentConnector2">
-            <a:avLst/>
+          <a:prstGeom prst="bentConnector3">
+            <a:avLst>
+              <a:gd name="adj1" fmla="val 38623"/>
+            </a:avLst>
           </a:prstGeom>
           <a:ln>
             <a:headEnd type="triangle"/>
@@ -4770,59 +5190,15 @@
         </p:nvSpPr>
         <p:spPr>
           <a:xfrm>
-            <a:off x="9412941" y="3246806"/>
-            <a:ext cx="1108037" cy="924745"/>
-          </a:xfrm>
-          <a:prstGeom prst="rect">
-            <a:avLst/>
-          </a:prstGeom>
-        </p:spPr>
-        <p:style>
-          <a:lnRef idx="2">
-            <a:schemeClr val="accent1">
-              <a:shade val="50000"/>
-            </a:schemeClr>
-          </a:lnRef>
-          <a:fillRef idx="1">
-            <a:schemeClr val="accent1"/>
-          </a:fillRef>
-          <a:effectRef idx="0">
-            <a:schemeClr val="accent1"/>
-          </a:effectRef>
-          <a:fontRef idx="minor">
-            <a:schemeClr val="lt1"/>
-          </a:fontRef>
-        </p:style>
-        <p:txBody>
-          <a:bodyPr rtlCol="0" anchor="ctr"/>
-          <a:lstStyle/>
-          <a:p>
-            <a:pPr algn="ctr"/>
-            <a:r>
-              <a:rPr lang="en-US" dirty="0" smtClean="0"/>
-              <a:t>Db File Cache</a:t>
-            </a:r>
-            <a:endParaRPr lang="en-US" dirty="0"/>
-          </a:p>
-        </p:txBody>
-      </p:sp>
-      <p:sp>
-        <p:nvSpPr>
-          <p:cNvPr id="11" name="Rectangle 10"/>
-          <p:cNvSpPr/>
-          <p:nvPr/>
-        </p:nvSpPr>
-        <p:spPr>
-          <a:xfrm>
-            <a:off x="8304904" y="3246805"/>
-            <a:ext cx="1108037" cy="924745"/>
+            <a:off x="10013612" y="4115014"/>
+            <a:ext cx="1161827" cy="833165"/>
           </a:xfrm>
           <a:prstGeom prst="rect">
             <a:avLst/>
           </a:prstGeom>
           <a:solidFill>
-            <a:schemeClr val="bg2">
-              <a:lumMod val="50000"/>
+            <a:schemeClr val="accent6">
+              <a:lumMod val="75000"/>
             </a:schemeClr>
           </a:solidFill>
         </p:spPr>
@@ -4849,7 +5225,56 @@
             <a:pPr algn="ctr"/>
             <a:r>
               <a:rPr lang="en-US" dirty="0" smtClean="0"/>
-              <a:t>Ply Cache</a:t>
+              <a:t>Db File Cache</a:t>
+            </a:r>
+            <a:endParaRPr lang="en-US" dirty="0"/>
+          </a:p>
+        </p:txBody>
+      </p:sp>
+      <p:sp>
+        <p:nvSpPr>
+          <p:cNvPr id="11" name="Rectangle 10"/>
+          <p:cNvSpPr/>
+          <p:nvPr/>
+        </p:nvSpPr>
+        <p:spPr>
+          <a:xfrm>
+            <a:off x="10013614" y="5222756"/>
+            <a:ext cx="1161827" cy="833165"/>
+          </a:xfrm>
+          <a:prstGeom prst="rect">
+            <a:avLst/>
+          </a:prstGeom>
+          <a:solidFill>
+            <a:schemeClr val="accent1">
+              <a:lumMod val="75000"/>
+            </a:schemeClr>
+          </a:solidFill>
+        </p:spPr>
+        <p:style>
+          <a:lnRef idx="2">
+            <a:schemeClr val="accent1">
+              <a:shade val="50000"/>
+            </a:schemeClr>
+          </a:lnRef>
+          <a:fillRef idx="1">
+            <a:schemeClr val="accent1"/>
+          </a:fillRef>
+          <a:effectRef idx="0">
+            <a:schemeClr val="accent1"/>
+          </a:effectRef>
+          <a:fontRef idx="minor">
+            <a:schemeClr val="lt1"/>
+          </a:fontRef>
+        </p:style>
+        <p:txBody>
+          <a:bodyPr rtlCol="0" anchor="ctr"/>
+          <a:lstStyle/>
+          <a:p>
+            <a:pPr algn="ctr"/>
+            <a:r>
+              <a:rPr lang="en-US" dirty="0" smtClean="0"/>
+              <a:t>PCL Cache</a:t>
             </a:r>
             <a:endParaRPr lang="en-US" dirty="0"/>
           </a:p>
@@ -4863,7 +5288,7 @@
         </p:nvSpPr>
         <p:spPr>
           <a:xfrm>
-            <a:off x="1828800" y="3312352"/>
+            <a:off x="1510135" y="3395482"/>
             <a:ext cx="1043492" cy="793649"/>
           </a:xfrm>
           <a:prstGeom prst="rect">
@@ -4907,7 +5332,7 @@
         </p:nvSpPr>
         <p:spPr>
           <a:xfrm>
-            <a:off x="3006314" y="3306926"/>
+            <a:off x="2687649" y="3390056"/>
             <a:ext cx="1043492" cy="793649"/>
           </a:xfrm>
           <a:prstGeom prst="rect">
@@ -4937,7 +5362,7 @@
             <a:pPr algn="ctr"/>
             <a:r>
               <a:rPr lang="en-US" dirty="0" smtClean="0"/>
-              <a:t>Ply Viewer</a:t>
+              <a:t>PLY Viewer</a:t>
             </a:r>
             <a:endParaRPr lang="en-US" dirty="0"/>
           </a:p>
@@ -4951,8 +5376,8 @@
         </p:nvSpPr>
         <p:spPr>
           <a:xfrm>
-            <a:off x="1557617" y="3165159"/>
-            <a:ext cx="2718546" cy="3192525"/>
+            <a:off x="1238952" y="3248290"/>
+            <a:ext cx="2718546" cy="3041672"/>
           </a:xfrm>
           <a:prstGeom prst="rect">
             <a:avLst/>
@@ -4997,8 +5422,8 @@
         </p:nvSpPr>
         <p:spPr>
           <a:xfrm>
-            <a:off x="7202245" y="3165158"/>
-            <a:ext cx="4480560" cy="3146431"/>
+            <a:off x="6883580" y="3612223"/>
+            <a:ext cx="4480560" cy="2677740"/>
           </a:xfrm>
           <a:prstGeom prst="rect">
             <a:avLst/>
@@ -5043,7 +5468,7 @@
         </p:nvSpPr>
         <p:spPr>
           <a:xfrm>
-            <a:off x="10520978" y="2495774"/>
+            <a:off x="10196492" y="2860889"/>
             <a:ext cx="978947" cy="369332"/>
           </a:xfrm>
           <a:prstGeom prst="rect">
@@ -5081,7 +5506,7 @@
         </p:nvSpPr>
         <p:spPr>
           <a:xfrm>
-            <a:off x="4276163" y="5263921"/>
+            <a:off x="3957498" y="5451981"/>
             <a:ext cx="2926082" cy="314754"/>
           </a:xfrm>
           <a:prstGeom prst="leftRightArrow">
@@ -5113,6 +5538,43 @@
           </a:p>
         </p:txBody>
       </p:sp>
+      <p:cxnSp>
+        <p:nvCxnSpPr>
+          <p:cNvPr id="34" name="Straight Arrow Connector 33"/>
+          <p:cNvCxnSpPr>
+            <a:stCxn id="5" idx="0"/>
+            <a:endCxn id="7" idx="2"/>
+          </p:cNvCxnSpPr>
+          <p:nvPr/>
+        </p:nvCxnSpPr>
+        <p:spPr>
+          <a:xfrm flipH="1" flipV="1">
+            <a:off x="8532734" y="4948179"/>
+            <a:ext cx="1704" cy="274577"/>
+          </a:xfrm>
+          <a:prstGeom prst="straightConnector1">
+            <a:avLst/>
+          </a:prstGeom>
+          <a:ln>
+            <a:headEnd type="triangle"/>
+            <a:tailEnd type="triangle"/>
+          </a:ln>
+        </p:spPr>
+        <p:style>
+          <a:lnRef idx="1">
+            <a:schemeClr val="accent1"/>
+          </a:lnRef>
+          <a:fillRef idx="0">
+            <a:schemeClr val="accent1"/>
+          </a:fillRef>
+          <a:effectRef idx="0">
+            <a:schemeClr val="accent1"/>
+          </a:effectRef>
+          <a:fontRef idx="minor">
+            <a:schemeClr val="tx1"/>
+          </a:fontRef>
+        </p:style>
+      </p:cxnSp>
     </p:spTree>
     <p:extLst>
       <p:ext uri="{BB962C8B-B14F-4D97-AF65-F5344CB8AC3E}">
@@ -5175,35 +5637,13 @@
       </p:sp>
       <p:sp>
         <p:nvSpPr>
-          <p:cNvPr id="3" name="Content Placeholder 2"/>
-          <p:cNvSpPr>
-            <a:spLocks noGrp="1"/>
-          </p:cNvSpPr>
-          <p:nvPr>
-            <p:ph idx="1"/>
-          </p:nvPr>
-        </p:nvSpPr>
-        <p:spPr/>
-        <p:txBody>
-          <a:bodyPr/>
-          <a:lstStyle/>
-          <a:p>
-            <a:pPr marL="0" indent="0">
-              <a:buNone/>
-            </a:pPr>
-            <a:endParaRPr lang="en-US" dirty="0"/>
-          </a:p>
-        </p:txBody>
-      </p:sp>
-      <p:sp>
-        <p:nvSpPr>
           <p:cNvPr id="4" name="Rectangle 3"/>
           <p:cNvSpPr/>
           <p:nvPr/>
         </p:nvSpPr>
         <p:spPr>
           <a:xfrm>
-            <a:off x="1828800" y="5004716"/>
+            <a:off x="1499020" y="5032426"/>
             <a:ext cx="2219212" cy="992119"/>
           </a:xfrm>
           <a:prstGeom prst="rect">
@@ -5239,14 +5679,14 @@
       </p:sp>
       <p:sp>
         <p:nvSpPr>
-          <p:cNvPr id="5" name="Rectangle 4"/>
+          <p:cNvPr id="16" name="Rectangle 15"/>
           <p:cNvSpPr/>
           <p:nvPr/>
         </p:nvSpPr>
         <p:spPr>
           <a:xfrm>
-            <a:off x="7508836" y="5004716"/>
-            <a:ext cx="3001384" cy="833165"/>
+            <a:off x="1499020" y="3340062"/>
+            <a:ext cx="1043492" cy="793649"/>
           </a:xfrm>
           <a:prstGeom prst="rect">
             <a:avLst/>
@@ -5275,7 +5715,7 @@
             <a:pPr algn="ctr"/>
             <a:r>
               <a:rPr lang="en-US" dirty="0" smtClean="0"/>
-              <a:t>Server</a:t>
+              <a:t>RGB-D Sensors</a:t>
             </a:r>
             <a:endParaRPr lang="en-US" dirty="0"/>
           </a:p>
@@ -5283,22 +5723,111 @@
       </p:sp>
       <p:sp>
         <p:nvSpPr>
-          <p:cNvPr id="8" name="Rectangle 7"/>
+          <p:cNvPr id="18" name="Rectangle 17"/>
           <p:cNvSpPr/>
           <p:nvPr/>
         </p:nvSpPr>
         <p:spPr>
           <a:xfrm>
-            <a:off x="7519594" y="4171551"/>
-            <a:ext cx="3001384" cy="833165"/>
+            <a:off x="2676534" y="3334636"/>
+            <a:ext cx="1043492" cy="793649"/>
           </a:xfrm>
           <a:prstGeom prst="rect">
             <a:avLst/>
           </a:prstGeom>
+        </p:spPr>
+        <p:style>
+          <a:lnRef idx="2">
+            <a:schemeClr val="accent1">
+              <a:shade val="50000"/>
+            </a:schemeClr>
+          </a:lnRef>
+          <a:fillRef idx="1">
+            <a:schemeClr val="accent1"/>
+          </a:fillRef>
+          <a:effectRef idx="0">
+            <a:schemeClr val="accent1"/>
+          </a:effectRef>
+          <a:fontRef idx="minor">
+            <a:schemeClr val="lt1"/>
+          </a:fontRef>
+        </p:style>
+        <p:txBody>
+          <a:bodyPr rtlCol="0" anchor="ctr"/>
+          <a:lstStyle/>
+          <a:p>
+            <a:pPr algn="ctr"/>
+            <a:r>
+              <a:rPr lang="en-US" dirty="0" smtClean="0"/>
+              <a:t>Ply Viewer</a:t>
+            </a:r>
+            <a:endParaRPr lang="en-US" dirty="0"/>
+          </a:p>
+        </p:txBody>
+      </p:sp>
+      <p:sp>
+        <p:nvSpPr>
+          <p:cNvPr id="19" name="Rectangle 18"/>
+          <p:cNvSpPr/>
+          <p:nvPr/>
+        </p:nvSpPr>
+        <p:spPr>
+          <a:xfrm>
+            <a:off x="1249353" y="3089565"/>
+            <a:ext cx="2718546" cy="3069917"/>
+          </a:xfrm>
+          <a:prstGeom prst="rect">
+            <a:avLst/>
+          </a:prstGeom>
+          <a:noFill/>
+          <a:ln w="28575">
+            <a:solidFill>
+              <a:schemeClr val="tx1"/>
+            </a:solidFill>
+          </a:ln>
+        </p:spPr>
+        <p:style>
+          <a:lnRef idx="2">
+            <a:schemeClr val="accent1">
+              <a:shade val="50000"/>
+            </a:schemeClr>
+          </a:lnRef>
+          <a:fillRef idx="1">
+            <a:schemeClr val="accent1"/>
+          </a:fillRef>
+          <a:effectRef idx="0">
+            <a:schemeClr val="accent1"/>
+          </a:effectRef>
+          <a:fontRef idx="minor">
+            <a:schemeClr val="lt1"/>
+          </a:fontRef>
+        </p:style>
+        <p:txBody>
+          <a:bodyPr rtlCol="0" anchor="ctr"/>
+          <a:lstStyle/>
+          <a:p>
+            <a:pPr algn="ctr"/>
+            <a:endParaRPr lang="en-US"/>
+          </a:p>
+        </p:txBody>
+      </p:sp>
+      <p:sp>
+        <p:nvSpPr>
+          <p:cNvPr id="29" name="Snip Single Corner Rectangle 28"/>
+          <p:cNvSpPr/>
+          <p:nvPr/>
+        </p:nvSpPr>
+        <p:spPr>
+          <a:xfrm>
+            <a:off x="1714172" y="4162794"/>
+            <a:ext cx="828339" cy="244235"/>
+          </a:xfrm>
+          <a:prstGeom prst="snip1Rect">
+            <a:avLst/>
+          </a:prstGeom>
           <a:solidFill>
-            <a:schemeClr val="accent6">
-              <a:lumMod val="60000"/>
-              <a:lumOff val="40000"/>
+            <a:schemeClr val="bg2">
+              <a:lumMod val="50000"/>
             </a:schemeClr>
           </a:solidFill>
         </p:spPr>
@@ -5324,14 +5853,159 @@
           <a:p>
             <a:pPr algn="ctr"/>
             <a:r>
-              <a:rPr lang="en-US" dirty="0" err="1" smtClean="0">
+              <a:rPr lang="en-US" dirty="0" smtClean="0"/>
+              <a:t>Image</a:t>
+            </a:r>
+            <a:endParaRPr lang="en-US" dirty="0"/>
+          </a:p>
+        </p:txBody>
+      </p:sp>
+      <p:sp>
+        <p:nvSpPr>
+          <p:cNvPr id="31" name="Snip Single Corner Rectangle 30"/>
+          <p:cNvSpPr/>
+          <p:nvPr/>
+        </p:nvSpPr>
+        <p:spPr>
+          <a:xfrm>
+            <a:off x="4067854" y="5176285"/>
+            <a:ext cx="828339" cy="244235"/>
+          </a:xfrm>
+          <a:prstGeom prst="snip1Rect">
+            <a:avLst/>
+          </a:prstGeom>
+          <a:solidFill>
+            <a:schemeClr val="bg2">
+              <a:lumMod val="50000"/>
+            </a:schemeClr>
+          </a:solidFill>
+        </p:spPr>
+        <p:style>
+          <a:lnRef idx="2">
+            <a:schemeClr val="accent1">
+              <a:shade val="50000"/>
+            </a:schemeClr>
+          </a:lnRef>
+          <a:fillRef idx="1">
+            <a:schemeClr val="accent1"/>
+          </a:fillRef>
+          <a:effectRef idx="0">
+            <a:schemeClr val="accent1"/>
+          </a:effectRef>
+          <a:fontRef idx="minor">
+            <a:schemeClr val="lt1"/>
+          </a:fontRef>
+        </p:style>
+        <p:txBody>
+          <a:bodyPr rtlCol="0" anchor="ctr"/>
+          <a:lstStyle/>
+          <a:p>
+            <a:pPr algn="ctr"/>
+            <a:r>
+              <a:rPr lang="en-US" dirty="0" smtClean="0"/>
+              <a:t>Image</a:t>
+            </a:r>
+            <a:endParaRPr lang="en-US" dirty="0"/>
+          </a:p>
+        </p:txBody>
+      </p:sp>
+      <p:sp>
+        <p:nvSpPr>
+          <p:cNvPr id="32" name="Snip Single Corner Rectangle 31"/>
+          <p:cNvSpPr/>
+          <p:nvPr/>
+        </p:nvSpPr>
+        <p:spPr>
+          <a:xfrm>
+            <a:off x="5772494" y="5115227"/>
+            <a:ext cx="828339" cy="244235"/>
+          </a:xfrm>
+          <a:prstGeom prst="snip1Rect">
+            <a:avLst/>
+          </a:prstGeom>
+          <a:solidFill>
+            <a:schemeClr val="bg2">
+              <a:lumMod val="50000"/>
+            </a:schemeClr>
+          </a:solidFill>
+        </p:spPr>
+        <p:style>
+          <a:lnRef idx="2">
+            <a:schemeClr val="accent1">
+              <a:shade val="50000"/>
+            </a:schemeClr>
+          </a:lnRef>
+          <a:fillRef idx="1">
+            <a:schemeClr val="accent1"/>
+          </a:fillRef>
+          <a:effectRef idx="0">
+            <a:schemeClr val="accent1"/>
+          </a:effectRef>
+          <a:fontRef idx="minor">
+            <a:schemeClr val="lt1"/>
+          </a:fontRef>
+        </p:style>
+        <p:txBody>
+          <a:bodyPr rtlCol="0" anchor="ctr"/>
+          <a:lstStyle/>
+          <a:p>
+            <a:pPr algn="ctr"/>
+            <a:r>
+              <a:rPr lang="en-US" dirty="0" smtClean="0"/>
+              <a:t>Image</a:t>
+            </a:r>
+            <a:endParaRPr lang="en-US" dirty="0"/>
+          </a:p>
+        </p:txBody>
+      </p:sp>
+      <p:sp>
+        <p:nvSpPr>
+          <p:cNvPr id="39" name="Snip Single Corner Rectangle 38"/>
+          <p:cNvSpPr/>
+          <p:nvPr/>
+        </p:nvSpPr>
+        <p:spPr>
+          <a:xfrm>
+            <a:off x="4969368" y="5556145"/>
+            <a:ext cx="752811" cy="245010"/>
+          </a:xfrm>
+          <a:prstGeom prst="snip1Rect">
+            <a:avLst/>
+          </a:prstGeom>
+          <a:solidFill>
+            <a:schemeClr val="accent4"/>
+          </a:solidFill>
+        </p:spPr>
+        <p:style>
+          <a:lnRef idx="2">
+            <a:schemeClr val="accent1">
+              <a:shade val="50000"/>
+            </a:schemeClr>
+          </a:lnRef>
+          <a:fillRef idx="1">
+            <a:schemeClr val="accent1"/>
+          </a:fillRef>
+          <a:effectRef idx="0">
+            <a:schemeClr val="accent1"/>
+          </a:effectRef>
+          <a:fontRef idx="minor">
+            <a:schemeClr val="lt1"/>
+          </a:fontRef>
+        </p:style>
+        <p:txBody>
+          <a:bodyPr rtlCol="0" anchor="ctr"/>
+          <a:lstStyle/>
+          <a:p>
+            <a:pPr algn="ctr"/>
+            <a:r>
+              <a:rPr lang="en-US" sz="1200" dirty="0" smtClean="0">
                 <a:solidFill>
                   <a:schemeClr val="tx1"/>
                 </a:solidFill>
               </a:rPr>
-              <a:t>RtabMap</a:t>
-            </a:r>
-            <a:endParaRPr lang="en-US" dirty="0">
+              <a:t>1,1,2.ply</a:t>
+            </a:r>
+            <a:endParaRPr lang="en-US" sz="1200" dirty="0">
               <a:solidFill>
                 <a:schemeClr val="tx1"/>
               </a:solidFill>
@@ -5341,13 +6015,108 @@
       </p:sp>
       <p:sp>
         <p:nvSpPr>
-          <p:cNvPr id="9" name="Flowchart: Direct Access Storage 8"/>
+          <p:cNvPr id="41" name="Snip Single Corner Rectangle 40"/>
           <p:cNvSpPr/>
           <p:nvPr/>
         </p:nvSpPr>
         <p:spPr>
+          <a:xfrm>
+            <a:off x="2870618" y="4166024"/>
+            <a:ext cx="752811" cy="245010"/>
+          </a:xfrm>
+          <a:prstGeom prst="snip1Rect">
+            <a:avLst/>
+          </a:prstGeom>
+          <a:solidFill>
+            <a:schemeClr val="accent4"/>
+          </a:solidFill>
+        </p:spPr>
+        <p:style>
+          <a:lnRef idx="2">
+            <a:schemeClr val="accent1">
+              <a:shade val="50000"/>
+            </a:schemeClr>
+          </a:lnRef>
+          <a:fillRef idx="1">
+            <a:schemeClr val="accent1"/>
+          </a:fillRef>
+          <a:effectRef idx="0">
+            <a:schemeClr val="accent1"/>
+          </a:effectRef>
+          <a:fontRef idx="minor">
+            <a:schemeClr val="lt1"/>
+          </a:fontRef>
+        </p:style>
+        <p:txBody>
+          <a:bodyPr rtlCol="0" anchor="ctr"/>
+          <a:lstStyle/>
+          <a:p>
+            <a:pPr algn="ctr"/>
+            <a:r>
+              <a:rPr lang="en-US" sz="1200" dirty="0" smtClean="0">
+                <a:solidFill>
+                  <a:schemeClr val="tx1"/>
+                </a:solidFill>
+              </a:rPr>
+              <a:t>1,1,2.ply</a:t>
+            </a:r>
+            <a:endParaRPr lang="en-US" sz="1200" dirty="0">
+              <a:solidFill>
+                <a:schemeClr val="tx1"/>
+              </a:solidFill>
+            </a:endParaRPr>
+          </a:p>
+        </p:txBody>
+      </p:sp>
+      <p:sp>
+        <p:nvSpPr>
+          <p:cNvPr id="43" name="Left-Right Arrow 42"/>
+          <p:cNvSpPr/>
+          <p:nvPr/>
+        </p:nvSpPr>
+        <p:spPr>
+          <a:xfrm>
+            <a:off x="3935258" y="5359462"/>
+            <a:ext cx="2926082" cy="314754"/>
+          </a:xfrm>
+          <a:prstGeom prst="leftRightArrow">
+            <a:avLst/>
+          </a:prstGeom>
+        </p:spPr>
+        <p:style>
+          <a:lnRef idx="2">
+            <a:schemeClr val="accent1">
+              <a:shade val="50000"/>
+            </a:schemeClr>
+          </a:lnRef>
+          <a:fillRef idx="1">
+            <a:schemeClr val="accent1"/>
+          </a:fillRef>
+          <a:effectRef idx="0">
+            <a:schemeClr val="accent1"/>
+          </a:effectRef>
+          <a:fontRef idx="minor">
+            <a:schemeClr val="lt1"/>
+          </a:fontRef>
+        </p:style>
+        <p:txBody>
+          <a:bodyPr rtlCol="0" anchor="ctr"/>
+          <a:lstStyle/>
+          <a:p>
+            <a:pPr algn="ctr"/>
+            <a:endParaRPr lang="en-US"/>
+          </a:p>
+        </p:txBody>
+      </p:sp>
+      <p:sp>
+        <p:nvSpPr>
+          <p:cNvPr id="48" name="Flowchart: Direct Access Storage 7"/>
+          <p:cNvSpPr/>
+          <p:nvPr/>
+        </p:nvSpPr>
+        <p:spPr>
           <a:xfrm rot="16200000">
-            <a:off x="10339948" y="1896087"/>
+            <a:off x="10100378" y="1658157"/>
             <a:ext cx="844474" cy="1203960"/>
           </a:xfrm>
           <a:prstGeom prst="flowChartMagneticDrum">
@@ -5385,86 +6154,16 @@
           </a:p>
         </p:txBody>
       </p:sp>
-      <p:cxnSp>
-        <p:nvCxnSpPr>
-          <p:cNvPr id="11" name="Elbow Connector 10"/>
-          <p:cNvCxnSpPr>
-            <a:stCxn id="8" idx="3"/>
-          </p:cNvCxnSpPr>
-          <p:nvPr/>
-        </p:nvCxnSpPr>
-        <p:spPr>
-          <a:xfrm flipV="1">
-            <a:off x="10520978" y="2939247"/>
-            <a:ext cx="249667" cy="1648887"/>
-          </a:xfrm>
-          <a:prstGeom prst="bentConnector2">
-            <a:avLst/>
-          </a:prstGeom>
-          <a:ln>
-            <a:headEnd type="triangle"/>
-            <a:tailEnd type="triangle"/>
-          </a:ln>
-        </p:spPr>
-        <p:style>
-          <a:lnRef idx="1">
-            <a:schemeClr val="accent1"/>
-          </a:lnRef>
-          <a:fillRef idx="0">
-            <a:schemeClr val="accent1"/>
-          </a:fillRef>
-          <a:effectRef idx="0">
-            <a:schemeClr val="accent1"/>
-          </a:effectRef>
-          <a:fontRef idx="minor">
-            <a:schemeClr val="tx1"/>
-          </a:fontRef>
-        </p:style>
-      </p:cxnSp>
-      <p:sp>
-        <p:nvSpPr>
-          <p:cNvPr id="12" name="TextBox 11"/>
-          <p:cNvSpPr txBox="1"/>
+      <p:sp>
+        <p:nvSpPr>
+          <p:cNvPr id="46" name="Rectangle 45"/>
+          <p:cNvSpPr/>
           <p:nvPr/>
         </p:nvSpPr>
         <p:spPr>
           <a:xfrm>
-            <a:off x="10397266" y="2428931"/>
-            <a:ext cx="1285539" cy="369332"/>
-          </a:xfrm>
-          <a:prstGeom prst="rect">
-            <a:avLst/>
-          </a:prstGeom>
-          <a:noFill/>
-        </p:spPr>
-        <p:txBody>
-          <a:bodyPr wrap="square" rtlCol="0">
-            <a:spAutoFit/>
-          </a:bodyPr>
-          <a:lstStyle/>
-          <a:p>
-            <a:r>
-              <a:rPr lang="en-US" dirty="0" err="1" smtClean="0"/>
-              <a:t>db</a:t>
-            </a:r>
-            <a:r>
-              <a:rPr lang="en-US" dirty="0" smtClean="0"/>
-              <a:t> file</a:t>
-            </a:r>
-            <a:endParaRPr lang="en-US" dirty="0"/>
-          </a:p>
-        </p:txBody>
-      </p:sp>
-      <p:sp>
-        <p:nvSpPr>
-          <p:cNvPr id="13" name="Rectangle 12"/>
-          <p:cNvSpPr/>
-          <p:nvPr/>
-        </p:nvSpPr>
-        <p:spPr>
-          <a:xfrm>
-            <a:off x="9412941" y="3246806"/>
-            <a:ext cx="1108037" cy="924745"/>
+            <a:off x="7032321" y="5106365"/>
+            <a:ext cx="2958353" cy="833165"/>
           </a:xfrm>
           <a:prstGeom prst="rect">
             <a:avLst/>
@@ -5493,7 +6192,7 @@
             <a:pPr algn="ctr"/>
             <a:r>
               <a:rPr lang="en-US" dirty="0" smtClean="0"/>
-              <a:t>Db File Cache</a:t>
+              <a:t>Server</a:t>
             </a:r>
             <a:endParaRPr lang="en-US" dirty="0"/>
           </a:p>
@@ -5501,21 +6200,22 @@
       </p:sp>
       <p:sp>
         <p:nvSpPr>
-          <p:cNvPr id="15" name="Rectangle 14"/>
+          <p:cNvPr id="47" name="Rectangle 46"/>
           <p:cNvSpPr/>
           <p:nvPr/>
         </p:nvSpPr>
         <p:spPr>
           <a:xfrm>
-            <a:off x="8304904" y="3246805"/>
-            <a:ext cx="1108037" cy="924745"/>
+            <a:off x="7028916" y="3998625"/>
+            <a:ext cx="2961756" cy="833165"/>
           </a:xfrm>
           <a:prstGeom prst="rect">
             <a:avLst/>
           </a:prstGeom>
           <a:solidFill>
-            <a:schemeClr val="bg2">
-              <a:lumMod val="50000"/>
+            <a:schemeClr val="accent6">
+              <a:lumMod val="60000"/>
+              <a:lumOff val="40000"/>
             </a:schemeClr>
           </a:solidFill>
         </p:spPr>
@@ -5541,27 +6241,77 @@
           <a:p>
             <a:pPr algn="ctr"/>
             <a:r>
-              <a:rPr lang="en-US" dirty="0" smtClean="0"/>
-              <a:t>Ply Cache</a:t>
-            </a:r>
-            <a:endParaRPr lang="en-US" dirty="0"/>
-          </a:p>
-        </p:txBody>
-      </p:sp>
-      <p:sp>
-        <p:nvSpPr>
-          <p:cNvPr id="16" name="Rectangle 15"/>
+              <a:rPr lang="en-US" dirty="0" err="1" smtClean="0">
+                <a:solidFill>
+                  <a:schemeClr val="tx1"/>
+                </a:solidFill>
+              </a:rPr>
+              <a:t>RtabMap</a:t>
+            </a:r>
+            <a:endParaRPr lang="en-US" dirty="0">
+              <a:solidFill>
+                <a:schemeClr val="tx1"/>
+              </a:solidFill>
+            </a:endParaRPr>
+          </a:p>
+        </p:txBody>
+      </p:sp>
+      <p:cxnSp>
+        <p:nvCxnSpPr>
+          <p:cNvPr id="49" name="Elbow Connector 48"/>
+          <p:cNvCxnSpPr>
+            <a:stCxn id="47" idx="0"/>
+            <a:endCxn id="48" idx="0"/>
+          </p:cNvCxnSpPr>
+          <p:nvPr/>
+        </p:nvCxnSpPr>
+        <p:spPr>
+          <a:xfrm rot="5400000" flipH="1" flipV="1">
+            <a:off x="8345970" y="2423961"/>
+            <a:ext cx="1738488" cy="1410841"/>
+          </a:xfrm>
+          <a:prstGeom prst="bentConnector2">
+            <a:avLst/>
+          </a:prstGeom>
+          <a:ln>
+            <a:headEnd type="triangle"/>
+            <a:tailEnd type="triangle"/>
+          </a:ln>
+        </p:spPr>
+        <p:style>
+          <a:lnRef idx="1">
+            <a:schemeClr val="accent1"/>
+          </a:lnRef>
+          <a:fillRef idx="0">
+            <a:schemeClr val="accent1"/>
+          </a:fillRef>
+          <a:effectRef idx="0">
+            <a:schemeClr val="accent1"/>
+          </a:effectRef>
+          <a:fontRef idx="minor">
+            <a:schemeClr val="tx1"/>
+          </a:fontRef>
+        </p:style>
+      </p:cxnSp>
+      <p:sp>
+        <p:nvSpPr>
+          <p:cNvPr id="50" name="Rectangle 49"/>
           <p:cNvSpPr/>
           <p:nvPr/>
         </p:nvSpPr>
         <p:spPr>
           <a:xfrm>
-            <a:off x="1828800" y="3312352"/>
-            <a:ext cx="1043492" cy="793649"/>
+            <a:off x="9990672" y="3998625"/>
+            <a:ext cx="1161827" cy="833165"/>
           </a:xfrm>
           <a:prstGeom prst="rect">
             <a:avLst/>
           </a:prstGeom>
+          <a:solidFill>
+            <a:schemeClr val="accent6">
+              <a:lumMod val="75000"/>
+            </a:schemeClr>
+          </a:solidFill>
         </p:spPr>
         <p:style>
           <a:lnRef idx="2">
@@ -5586,7 +6336,7 @@
             <a:pPr algn="ctr"/>
             <a:r>
               <a:rPr lang="en-US" dirty="0" smtClean="0"/>
-              <a:t>RGB-D Sensors</a:t>
+              <a:t>Db File Cache</a:t>
             </a:r>
             <a:endParaRPr lang="en-US" dirty="0"/>
           </a:p>
@@ -5594,18 +6344,23 @@
       </p:sp>
       <p:sp>
         <p:nvSpPr>
-          <p:cNvPr id="18" name="Rectangle 17"/>
+          <p:cNvPr id="51" name="Rectangle 50"/>
           <p:cNvSpPr/>
           <p:nvPr/>
         </p:nvSpPr>
         <p:spPr>
           <a:xfrm>
-            <a:off x="3006314" y="3306926"/>
-            <a:ext cx="1043492" cy="793649"/>
+            <a:off x="9990674" y="5106365"/>
+            <a:ext cx="1161827" cy="833165"/>
           </a:xfrm>
           <a:prstGeom prst="rect">
             <a:avLst/>
           </a:prstGeom>
+          <a:solidFill>
+            <a:schemeClr val="accent1">
+              <a:lumMod val="75000"/>
+            </a:schemeClr>
+          </a:solidFill>
         </p:spPr>
         <p:style>
           <a:lnRef idx="2">
@@ -5630,7 +6385,7 @@
             <a:pPr algn="ctr"/>
             <a:r>
               <a:rPr lang="en-US" dirty="0" smtClean="0"/>
-              <a:t>Ply Viewer</a:t>
+              <a:t>PCL Cache</a:t>
             </a:r>
             <a:endParaRPr lang="en-US" dirty="0"/>
           </a:p>
@@ -5638,14 +6393,14 @@
       </p:sp>
       <p:sp>
         <p:nvSpPr>
-          <p:cNvPr id="19" name="Rectangle 18"/>
+          <p:cNvPr id="52" name="Rectangle 51"/>
           <p:cNvSpPr/>
           <p:nvPr/>
         </p:nvSpPr>
         <p:spPr>
           <a:xfrm>
-            <a:off x="1579133" y="2939247"/>
-            <a:ext cx="2718546" cy="3192525"/>
+            <a:off x="6872465" y="3532910"/>
+            <a:ext cx="4480560" cy="2626510"/>
           </a:xfrm>
           <a:prstGeom prst="rect">
             <a:avLst/>
@@ -5684,47 +6439,35 @@
       </p:sp>
       <p:sp>
         <p:nvSpPr>
-          <p:cNvPr id="21" name="Rectangle 20"/>
-          <p:cNvSpPr/>
+          <p:cNvPr id="12" name="TextBox 11"/>
+          <p:cNvSpPr txBox="1"/>
           <p:nvPr/>
         </p:nvSpPr>
         <p:spPr>
           <a:xfrm>
-            <a:off x="7180729" y="1884556"/>
-            <a:ext cx="4502076" cy="4427034"/>
+            <a:off x="10115975" y="2134044"/>
+            <a:ext cx="1285539" cy="369332"/>
           </a:xfrm>
           <a:prstGeom prst="rect">
             <a:avLst/>
           </a:prstGeom>
           <a:noFill/>
-          <a:ln w="28575">
-            <a:solidFill>
-              <a:schemeClr val="tx1"/>
-            </a:solidFill>
-          </a:ln>
         </p:spPr>
-        <p:style>
-          <a:lnRef idx="2">
-            <a:schemeClr val="accent1">
-              <a:shade val="50000"/>
-            </a:schemeClr>
-          </a:lnRef>
-          <a:fillRef idx="1">
-            <a:schemeClr val="accent1"/>
-          </a:fillRef>
-          <a:effectRef idx="0">
-            <a:schemeClr val="accent1"/>
-          </a:effectRef>
-          <a:fontRef idx="minor">
-            <a:schemeClr val="lt1"/>
-          </a:fontRef>
-        </p:style>
-        <p:txBody>
-          <a:bodyPr rtlCol="0" anchor="ctr"/>
-          <a:lstStyle/>
-          <a:p>
-            <a:pPr algn="ctr"/>
-            <a:endParaRPr lang="en-US"/>
+        <p:txBody>
+          <a:bodyPr wrap="square" rtlCol="0">
+            <a:spAutoFit/>
+          </a:bodyPr>
+          <a:lstStyle/>
+          <a:p>
+            <a:r>
+              <a:rPr lang="en-US" dirty="0" err="1" smtClean="0"/>
+              <a:t>db</a:t>
+            </a:r>
+            <a:r>
+              <a:rPr lang="en-US" dirty="0" smtClean="0"/>
+              <a:t> file</a:t>
+            </a:r>
+            <a:endParaRPr lang="en-US" dirty="0"/>
           </a:p>
         </p:txBody>
       </p:sp>
@@ -5736,7 +6479,7 @@
         </p:nvSpPr>
         <p:spPr>
           <a:xfrm>
-            <a:off x="2043953" y="2345168"/>
+            <a:off x="1714173" y="2372878"/>
             <a:ext cx="828339" cy="244235"/>
           </a:xfrm>
           <a:prstGeom prst="snip1Rect">
@@ -5779,13 +6522,118 @@
       </p:sp>
       <p:sp>
         <p:nvSpPr>
-          <p:cNvPr id="29" name="Snip Single Corner Rectangle 28"/>
+          <p:cNvPr id="37" name="Snip Single Corner Rectangle 36"/>
           <p:cNvSpPr/>
           <p:nvPr/>
         </p:nvSpPr>
         <p:spPr>
           <a:xfrm>
-            <a:off x="2043952" y="4135084"/>
+            <a:off x="8991254" y="5639602"/>
+            <a:ext cx="950932" cy="200050"/>
+          </a:xfrm>
+          <a:prstGeom prst="snip1Rect">
+            <a:avLst/>
+          </a:prstGeom>
+          <a:solidFill>
+            <a:schemeClr val="accent4"/>
+          </a:solidFill>
+        </p:spPr>
+        <p:style>
+          <a:lnRef idx="2">
+            <a:schemeClr val="accent1">
+              <a:shade val="50000"/>
+            </a:schemeClr>
+          </a:lnRef>
+          <a:fillRef idx="1">
+            <a:schemeClr val="accent1"/>
+          </a:fillRef>
+          <a:effectRef idx="0">
+            <a:schemeClr val="accent1"/>
+          </a:effectRef>
+          <a:fontRef idx="minor">
+            <a:schemeClr val="lt1"/>
+          </a:fontRef>
+        </p:style>
+        <p:txBody>
+          <a:bodyPr rtlCol="0" anchor="ctr"/>
+          <a:lstStyle/>
+          <a:p>
+            <a:pPr algn="ctr"/>
+            <a:r>
+              <a:rPr lang="en-US" sz="1200" dirty="0">
+                <a:solidFill>
+                  <a:schemeClr val="tx1"/>
+                </a:solidFill>
+              </a:rPr>
+              <a:t>PCL portion</a:t>
+            </a:r>
+          </a:p>
+        </p:txBody>
+      </p:sp>
+      <p:sp>
+        <p:nvSpPr>
+          <p:cNvPr id="38" name="Snip Single Corner Rectangle 37"/>
+          <p:cNvSpPr/>
+          <p:nvPr/>
+        </p:nvSpPr>
+        <p:spPr>
+          <a:xfrm>
+            <a:off x="7132972" y="5594642"/>
+            <a:ext cx="752811" cy="245010"/>
+          </a:xfrm>
+          <a:prstGeom prst="snip1Rect">
+            <a:avLst/>
+          </a:prstGeom>
+          <a:solidFill>
+            <a:schemeClr val="accent4"/>
+          </a:solidFill>
+        </p:spPr>
+        <p:style>
+          <a:lnRef idx="2">
+            <a:schemeClr val="accent1">
+              <a:shade val="50000"/>
+            </a:schemeClr>
+          </a:lnRef>
+          <a:fillRef idx="1">
+            <a:schemeClr val="accent1"/>
+          </a:fillRef>
+          <a:effectRef idx="0">
+            <a:schemeClr val="accent1"/>
+          </a:effectRef>
+          <a:fontRef idx="minor">
+            <a:schemeClr val="lt1"/>
+          </a:fontRef>
+        </p:style>
+        <p:txBody>
+          <a:bodyPr rtlCol="0" anchor="ctr"/>
+          <a:lstStyle/>
+          <a:p>
+            <a:pPr algn="ctr"/>
+            <a:r>
+              <a:rPr lang="en-US" sz="1200" dirty="0" smtClean="0">
+                <a:solidFill>
+                  <a:schemeClr val="tx1"/>
+                </a:solidFill>
+              </a:rPr>
+              <a:t>1,1,2.ply</a:t>
+            </a:r>
+            <a:endParaRPr lang="en-US" sz="1200" dirty="0">
+              <a:solidFill>
+                <a:schemeClr val="tx1"/>
+              </a:solidFill>
+            </a:endParaRPr>
+          </a:p>
+        </p:txBody>
+      </p:sp>
+      <p:sp>
+        <p:nvSpPr>
+          <p:cNvPr id="33" name="Snip Single Corner Rectangle 32"/>
+          <p:cNvSpPr/>
+          <p:nvPr/>
+        </p:nvSpPr>
+        <p:spPr>
+          <a:xfrm>
+            <a:off x="7148310" y="5117460"/>
             <a:ext cx="828339" cy="244235"/>
           </a:xfrm>
           <a:prstGeom prst="snip1Rect">
@@ -5828,13 +6676,13 @@
       </p:sp>
       <p:sp>
         <p:nvSpPr>
-          <p:cNvPr id="31" name="Snip Single Corner Rectangle 30"/>
+          <p:cNvPr id="35" name="Snip Single Corner Rectangle 34"/>
           <p:cNvSpPr/>
           <p:nvPr/>
         </p:nvSpPr>
         <p:spPr>
           <a:xfrm>
-            <a:off x="4397634" y="5148575"/>
+            <a:off x="7149883" y="4578587"/>
             <a:ext cx="828339" cy="244235"/>
           </a:xfrm>
           <a:prstGeom prst="snip1Rect">
@@ -5877,13 +6725,13 @@
       </p:sp>
       <p:sp>
         <p:nvSpPr>
-          <p:cNvPr id="32" name="Snip Single Corner Rectangle 31"/>
+          <p:cNvPr id="53" name="Snip Single Corner Rectangle 52"/>
           <p:cNvSpPr/>
           <p:nvPr/>
         </p:nvSpPr>
         <p:spPr>
           <a:xfrm>
-            <a:off x="6102274" y="5087517"/>
+            <a:off x="9026517" y="5111350"/>
             <a:ext cx="828339" cy="244235"/>
           </a:xfrm>
           <a:prstGeom prst="snip1Rect">
@@ -5917,8 +6765,12 @@
           <a:p>
             <a:pPr algn="ctr"/>
             <a:r>
-              <a:rPr lang="en-US" dirty="0" smtClean="0"/>
-              <a:t>Image</a:t>
+              <a:rPr lang="en-US"/>
+              <a:t>x</a:t>
+            </a:r>
+            <a:r>
+              <a:rPr lang="en-US" smtClean="0"/>
+              <a:t>, y</a:t>
             </a:r>
             <a:endParaRPr lang="en-US" dirty="0"/>
           </a:p>
@@ -5926,13 +6778,13 @@
       </p:sp>
       <p:sp>
         <p:nvSpPr>
-          <p:cNvPr id="33" name="Snip Single Corner Rectangle 32"/>
+          <p:cNvPr id="54" name="Snip Single Corner Rectangle 53"/>
           <p:cNvSpPr/>
           <p:nvPr/>
         </p:nvSpPr>
         <p:spPr>
           <a:xfrm>
-            <a:off x="7528110" y="5026457"/>
+            <a:off x="10143661" y="5122917"/>
             <a:ext cx="828339" cy="244235"/>
           </a:xfrm>
           <a:prstGeom prst="snip1Rect">
@@ -5966,377 +6818,54 @@
           <a:p>
             <a:pPr algn="ctr"/>
             <a:r>
-              <a:rPr lang="en-US" dirty="0" smtClean="0"/>
-              <a:t>Image</a:t>
+              <a:rPr lang="en-US"/>
+              <a:t>x</a:t>
+            </a:r>
+            <a:r>
+              <a:rPr lang="en-US" smtClean="0"/>
+              <a:t>, y</a:t>
             </a:r>
             <a:endParaRPr lang="en-US" dirty="0"/>
           </a:p>
         </p:txBody>
       </p:sp>
-      <p:sp>
-        <p:nvSpPr>
-          <p:cNvPr id="35" name="Snip Single Corner Rectangle 34"/>
-          <p:cNvSpPr/>
+      <p:cxnSp>
+        <p:nvCxnSpPr>
+          <p:cNvPr id="14" name="Straight Arrow Connector 13"/>
+          <p:cNvCxnSpPr>
+            <a:stCxn id="46" idx="0"/>
+            <a:endCxn id="47" idx="2"/>
+          </p:cNvCxnSpPr>
           <p:nvPr/>
-        </p:nvSpPr>
+        </p:nvCxnSpPr>
         <p:spPr>
-          <a:xfrm>
-            <a:off x="7508836" y="4198135"/>
-            <a:ext cx="828339" cy="244235"/>
+          <a:xfrm flipH="1" flipV="1">
+            <a:off x="8509794" y="4831790"/>
+            <a:ext cx="1704" cy="274575"/>
           </a:xfrm>
-          <a:prstGeom prst="snip1Rect">
+          <a:prstGeom prst="straightConnector1">
             <a:avLst/>
           </a:prstGeom>
-          <a:solidFill>
-            <a:schemeClr val="bg2">
-              <a:lumMod val="50000"/>
-            </a:schemeClr>
-          </a:solidFill>
+          <a:ln>
+            <a:headEnd type="triangle"/>
+            <a:tailEnd type="triangle"/>
+          </a:ln>
         </p:spPr>
         <p:style>
-          <a:lnRef idx="2">
-            <a:schemeClr val="accent1">
-              <a:shade val="50000"/>
-            </a:schemeClr>
+          <a:lnRef idx="1">
+            <a:schemeClr val="accent1"/>
           </a:lnRef>
-          <a:fillRef idx="1">
+          <a:fillRef idx="0">
             <a:schemeClr val="accent1"/>
           </a:fillRef>
           <a:effectRef idx="0">
             <a:schemeClr val="accent1"/>
           </a:effectRef>
           <a:fontRef idx="minor">
-            <a:schemeClr val="lt1"/>
+            <a:schemeClr val="tx1"/>
           </a:fontRef>
         </p:style>
-        <p:txBody>
-          <a:bodyPr rtlCol="0" anchor="ctr"/>
-          <a:lstStyle/>
-          <a:p>
-            <a:pPr algn="ctr"/>
-            <a:r>
-              <a:rPr lang="en-US" dirty="0" smtClean="0"/>
-              <a:t>Image</a:t>
-            </a:r>
-            <a:endParaRPr lang="en-US" dirty="0"/>
-          </a:p>
-        </p:txBody>
-      </p:sp>
-      <p:sp>
-        <p:nvSpPr>
-          <p:cNvPr id="36" name="Snip Single Corner Rectangle 35"/>
-          <p:cNvSpPr/>
-          <p:nvPr/>
-        </p:nvSpPr>
-        <p:spPr>
-          <a:xfrm>
-            <a:off x="8462010" y="3855565"/>
-            <a:ext cx="752811" cy="245010"/>
-          </a:xfrm>
-          <a:prstGeom prst="snip1Rect">
-            <a:avLst/>
-          </a:prstGeom>
-          <a:solidFill>
-            <a:schemeClr val="accent4"/>
-          </a:solidFill>
-        </p:spPr>
-        <p:style>
-          <a:lnRef idx="2">
-            <a:schemeClr val="accent1">
-              <a:shade val="50000"/>
-            </a:schemeClr>
-          </a:lnRef>
-          <a:fillRef idx="1">
-            <a:schemeClr val="accent1"/>
-          </a:fillRef>
-          <a:effectRef idx="0">
-            <a:schemeClr val="accent1"/>
-          </a:effectRef>
-          <a:fontRef idx="minor">
-            <a:schemeClr val="lt1"/>
-          </a:fontRef>
-        </p:style>
-        <p:txBody>
-          <a:bodyPr rtlCol="0" anchor="ctr"/>
-          <a:lstStyle/>
-          <a:p>
-            <a:pPr algn="ctr"/>
-            <a:r>
-              <a:rPr lang="en-US" sz="1200" dirty="0" smtClean="0">
-                <a:solidFill>
-                  <a:schemeClr val="tx1"/>
-                </a:solidFill>
-              </a:rPr>
-              <a:t>1,1,2.ply</a:t>
-            </a:r>
-            <a:endParaRPr lang="en-US" sz="1200" dirty="0">
-              <a:solidFill>
-                <a:schemeClr val="tx1"/>
-              </a:solidFill>
-            </a:endParaRPr>
-          </a:p>
-        </p:txBody>
-      </p:sp>
-      <p:sp>
-        <p:nvSpPr>
-          <p:cNvPr id="37" name="Snip Single Corner Rectangle 36"/>
-          <p:cNvSpPr/>
-          <p:nvPr/>
-        </p:nvSpPr>
-        <p:spPr>
-          <a:xfrm>
-            <a:off x="8462009" y="4737965"/>
-            <a:ext cx="752811" cy="245010"/>
-          </a:xfrm>
-          <a:prstGeom prst="snip1Rect">
-            <a:avLst/>
-          </a:prstGeom>
-          <a:solidFill>
-            <a:schemeClr val="accent4"/>
-          </a:solidFill>
-        </p:spPr>
-        <p:style>
-          <a:lnRef idx="2">
-            <a:schemeClr val="accent1">
-              <a:shade val="50000"/>
-            </a:schemeClr>
-          </a:lnRef>
-          <a:fillRef idx="1">
-            <a:schemeClr val="accent1"/>
-          </a:fillRef>
-          <a:effectRef idx="0">
-            <a:schemeClr val="accent1"/>
-          </a:effectRef>
-          <a:fontRef idx="minor">
-            <a:schemeClr val="lt1"/>
-          </a:fontRef>
-        </p:style>
-        <p:txBody>
-          <a:bodyPr rtlCol="0" anchor="ctr"/>
-          <a:lstStyle/>
-          <a:p>
-            <a:pPr algn="ctr"/>
-            <a:r>
-              <a:rPr lang="en-US" sz="1200" dirty="0" smtClean="0">
-                <a:solidFill>
-                  <a:schemeClr val="tx1"/>
-                </a:solidFill>
-              </a:rPr>
-              <a:t>1,1,2.ply</a:t>
-            </a:r>
-            <a:endParaRPr lang="en-US" sz="1200" dirty="0">
-              <a:solidFill>
-                <a:schemeClr val="tx1"/>
-              </a:solidFill>
-            </a:endParaRPr>
-          </a:p>
-        </p:txBody>
-      </p:sp>
-      <p:sp>
-        <p:nvSpPr>
-          <p:cNvPr id="38" name="Snip Single Corner Rectangle 37"/>
-          <p:cNvSpPr/>
-          <p:nvPr/>
-        </p:nvSpPr>
-        <p:spPr>
-          <a:xfrm>
-            <a:off x="7547721" y="5342055"/>
-            <a:ext cx="752811" cy="245010"/>
-          </a:xfrm>
-          <a:prstGeom prst="snip1Rect">
-            <a:avLst/>
-          </a:prstGeom>
-          <a:solidFill>
-            <a:schemeClr val="accent4"/>
-          </a:solidFill>
-        </p:spPr>
-        <p:style>
-          <a:lnRef idx="2">
-            <a:schemeClr val="accent1">
-              <a:shade val="50000"/>
-            </a:schemeClr>
-          </a:lnRef>
-          <a:fillRef idx="1">
-            <a:schemeClr val="accent1"/>
-          </a:fillRef>
-          <a:effectRef idx="0">
-            <a:schemeClr val="accent1"/>
-          </a:effectRef>
-          <a:fontRef idx="minor">
-            <a:schemeClr val="lt1"/>
-          </a:fontRef>
-        </p:style>
-        <p:txBody>
-          <a:bodyPr rtlCol="0" anchor="ctr"/>
-          <a:lstStyle/>
-          <a:p>
-            <a:pPr algn="ctr"/>
-            <a:r>
-              <a:rPr lang="en-US" sz="1200" dirty="0" smtClean="0">
-                <a:solidFill>
-                  <a:schemeClr val="tx1"/>
-                </a:solidFill>
-              </a:rPr>
-              <a:t>1,1,2.ply</a:t>
-            </a:r>
-            <a:endParaRPr lang="en-US" sz="1200" dirty="0">
-              <a:solidFill>
-                <a:schemeClr val="tx1"/>
-              </a:solidFill>
-            </a:endParaRPr>
-          </a:p>
-        </p:txBody>
-      </p:sp>
-      <p:sp>
-        <p:nvSpPr>
-          <p:cNvPr id="39" name="Snip Single Corner Rectangle 38"/>
-          <p:cNvSpPr/>
-          <p:nvPr/>
-        </p:nvSpPr>
-        <p:spPr>
-          <a:xfrm>
-            <a:off x="5299148" y="5528435"/>
-            <a:ext cx="752811" cy="245010"/>
-          </a:xfrm>
-          <a:prstGeom prst="snip1Rect">
-            <a:avLst/>
-          </a:prstGeom>
-          <a:solidFill>
-            <a:schemeClr val="accent4"/>
-          </a:solidFill>
-        </p:spPr>
-        <p:style>
-          <a:lnRef idx="2">
-            <a:schemeClr val="accent1">
-              <a:shade val="50000"/>
-            </a:schemeClr>
-          </a:lnRef>
-          <a:fillRef idx="1">
-            <a:schemeClr val="accent1"/>
-          </a:fillRef>
-          <a:effectRef idx="0">
-            <a:schemeClr val="accent1"/>
-          </a:effectRef>
-          <a:fontRef idx="minor">
-            <a:schemeClr val="lt1"/>
-          </a:fontRef>
-        </p:style>
-        <p:txBody>
-          <a:bodyPr rtlCol="0" anchor="ctr"/>
-          <a:lstStyle/>
-          <a:p>
-            <a:pPr algn="ctr"/>
-            <a:r>
-              <a:rPr lang="en-US" sz="1200" dirty="0" smtClean="0">
-                <a:solidFill>
-                  <a:schemeClr val="tx1"/>
-                </a:solidFill>
-              </a:rPr>
-              <a:t>1,1,2.ply</a:t>
-            </a:r>
-            <a:endParaRPr lang="en-US" sz="1200" dirty="0">
-              <a:solidFill>
-                <a:schemeClr val="tx1"/>
-              </a:solidFill>
-            </a:endParaRPr>
-          </a:p>
-        </p:txBody>
-      </p:sp>
-      <p:sp>
-        <p:nvSpPr>
-          <p:cNvPr id="41" name="Snip Single Corner Rectangle 40"/>
-          <p:cNvSpPr/>
-          <p:nvPr/>
-        </p:nvSpPr>
-        <p:spPr>
-          <a:xfrm>
-            <a:off x="3200398" y="4138314"/>
-            <a:ext cx="752811" cy="245010"/>
-          </a:xfrm>
-          <a:prstGeom prst="snip1Rect">
-            <a:avLst/>
-          </a:prstGeom>
-          <a:solidFill>
-            <a:schemeClr val="accent4"/>
-          </a:solidFill>
-        </p:spPr>
-        <p:style>
-          <a:lnRef idx="2">
-            <a:schemeClr val="accent1">
-              <a:shade val="50000"/>
-            </a:schemeClr>
-          </a:lnRef>
-          <a:fillRef idx="1">
-            <a:schemeClr val="accent1"/>
-          </a:fillRef>
-          <a:effectRef idx="0">
-            <a:schemeClr val="accent1"/>
-          </a:effectRef>
-          <a:fontRef idx="minor">
-            <a:schemeClr val="lt1"/>
-          </a:fontRef>
-        </p:style>
-        <p:txBody>
-          <a:bodyPr rtlCol="0" anchor="ctr"/>
-          <a:lstStyle/>
-          <a:p>
-            <a:pPr algn="ctr"/>
-            <a:r>
-              <a:rPr lang="en-US" sz="1200" dirty="0" smtClean="0">
-                <a:solidFill>
-                  <a:schemeClr val="tx1"/>
-                </a:solidFill>
-              </a:rPr>
-              <a:t>1,1,2.ply</a:t>
-            </a:r>
-            <a:endParaRPr lang="en-US" sz="1200" dirty="0">
-              <a:solidFill>
-                <a:schemeClr val="tx1"/>
-              </a:solidFill>
-            </a:endParaRPr>
-          </a:p>
-        </p:txBody>
-      </p:sp>
-      <p:sp>
-        <p:nvSpPr>
-          <p:cNvPr id="43" name="Left-Right Arrow 42"/>
-          <p:cNvSpPr/>
-          <p:nvPr/>
-        </p:nvSpPr>
-        <p:spPr>
-          <a:xfrm>
-            <a:off x="4265038" y="5331752"/>
-            <a:ext cx="2926082" cy="314754"/>
-          </a:xfrm>
-          <a:prstGeom prst="leftRightArrow">
-            <a:avLst/>
-          </a:prstGeom>
-        </p:spPr>
-        <p:style>
-          <a:lnRef idx="2">
-            <a:schemeClr val="accent1">
-              <a:shade val="50000"/>
-            </a:schemeClr>
-          </a:lnRef>
-          <a:fillRef idx="1">
-            <a:schemeClr val="accent1"/>
-          </a:fillRef>
-          <a:effectRef idx="0">
-            <a:schemeClr val="accent1"/>
-          </a:effectRef>
-          <a:fontRef idx="minor">
-            <a:schemeClr val="lt1"/>
-          </a:fontRef>
-        </p:style>
-        <p:txBody>
-          <a:bodyPr rtlCol="0" anchor="ctr"/>
-          <a:lstStyle/>
-          <a:p>
-            <a:pPr algn="ctr"/>
-            <a:endParaRPr lang="en-US"/>
-          </a:p>
-        </p:txBody>
-      </p:sp>
+      </p:cxnSp>
     </p:spTree>
     <p:extLst>
       <p:ext uri="{BB962C8B-B14F-4D97-AF65-F5344CB8AC3E}">
@@ -6786,7 +7315,7 @@
                                           </p:stCondLst>
                                         </p:cTn>
                                         <p:tgtEl>
-                                          <p:spTgt spid="36"/>
+                                          <p:spTgt spid="53"/>
                                         </p:tgtEl>
                                         <p:attrNameLst>
                                           <p:attrName>style.visibility</p:attrName>
@@ -6831,7 +7360,7 @@
                                           </p:stCondLst>
                                         </p:cTn>
                                         <p:tgtEl>
-                                          <p:spTgt spid="36"/>
+                                          <p:spTgt spid="53"/>
                                         </p:tgtEl>
                                         <p:attrNameLst>
                                           <p:attrName>style.visibility</p:attrName>
@@ -6858,7 +7387,7 @@
                                           </p:stCondLst>
                                         </p:cTn>
                                         <p:tgtEl>
-                                          <p:spTgt spid="37"/>
+                                          <p:spTgt spid="54"/>
                                         </p:tgtEl>
                                         <p:attrNameLst>
                                           <p:attrName>style.visibility</p:attrName>
@@ -6903,7 +7432,7 @@
                                           </p:stCondLst>
                                         </p:cTn>
                                         <p:tgtEl>
-                                          <p:spTgt spid="37"/>
+                                          <p:spTgt spid="54"/>
                                         </p:tgtEl>
                                         <p:attrNameLst>
                                           <p:attrName>style.visibility</p:attrName>
@@ -6930,7 +7459,7 @@
                                           </p:stCondLst>
                                         </p:cTn>
                                         <p:tgtEl>
-                                          <p:spTgt spid="38"/>
+                                          <p:spTgt spid="37"/>
                                         </p:tgtEl>
                                         <p:attrNameLst>
                                           <p:attrName>style.visibility</p:attrName>
@@ -6975,7 +7504,7 @@
                                           </p:stCondLst>
                                         </p:cTn>
                                         <p:tgtEl>
-                                          <p:spTgt spid="38"/>
+                                          <p:spTgt spid="37"/>
                                         </p:tgtEl>
                                         <p:attrNameLst>
                                           <p:attrName>style.visibility</p:attrName>
@@ -7002,7 +7531,7 @@
                                           </p:stCondLst>
                                         </p:cTn>
                                         <p:tgtEl>
-                                          <p:spTgt spid="39"/>
+                                          <p:spTgt spid="38"/>
                                         </p:tgtEl>
                                         <p:attrNameLst>
                                           <p:attrName>style.visibility</p:attrName>
@@ -7047,6 +7576,78 @@
                                           </p:stCondLst>
                                         </p:cTn>
                                         <p:tgtEl>
+                                          <p:spTgt spid="38"/>
+                                        </p:tgtEl>
+                                        <p:attrNameLst>
+                                          <p:attrName>style.visibility</p:attrName>
+                                        </p:attrNameLst>
+                                      </p:cBhvr>
+                                      <p:to>
+                                        <p:strVal val="hidden"/>
+                                      </p:to>
+                                    </p:set>
+                                  </p:childTnLst>
+                                </p:cTn>
+                              </p:par>
+                              <p:par>
+                                <p:cTn id="63" presetID="1" presetClass="entr" presetSubtype="0" fill="hold" grpId="0" nodeType="withEffect">
+                                  <p:stCondLst>
+                                    <p:cond delay="0"/>
+                                  </p:stCondLst>
+                                  <p:childTnLst>
+                                    <p:set>
+                                      <p:cBhvr>
+                                        <p:cTn id="64" dur="1" fill="hold">
+                                          <p:stCondLst>
+                                            <p:cond delay="0"/>
+                                          </p:stCondLst>
+                                        </p:cTn>
+                                        <p:tgtEl>
+                                          <p:spTgt spid="39"/>
+                                        </p:tgtEl>
+                                        <p:attrNameLst>
+                                          <p:attrName>style.visibility</p:attrName>
+                                        </p:attrNameLst>
+                                      </p:cBhvr>
+                                      <p:to>
+                                        <p:strVal val="visible"/>
+                                      </p:to>
+                                    </p:set>
+                                  </p:childTnLst>
+                                </p:cTn>
+                              </p:par>
+                            </p:childTnLst>
+                          </p:cTn>
+                        </p:par>
+                      </p:childTnLst>
+                    </p:cTn>
+                  </p:par>
+                  <p:par>
+                    <p:cTn id="65" fill="hold">
+                      <p:stCondLst>
+                        <p:cond delay="indefinite"/>
+                      </p:stCondLst>
+                      <p:childTnLst>
+                        <p:par>
+                          <p:cTn id="66" fill="hold">
+                            <p:stCondLst>
+                              <p:cond delay="0"/>
+                            </p:stCondLst>
+                            <p:childTnLst>
+                              <p:par>
+                                <p:cTn id="67" presetID="1" presetClass="exit" presetSubtype="0" fill="hold" grpId="1" nodeType="clickEffect">
+                                  <p:stCondLst>
+                                    <p:cond delay="0"/>
+                                  </p:stCondLst>
+                                  <p:childTnLst>
+                                    <p:set>
+                                      <p:cBhvr>
+                                        <p:cTn id="68" dur="1" fill="hold">
+                                          <p:stCondLst>
+                                            <p:cond delay="0"/>
+                                          </p:stCondLst>
+                                        </p:cTn>
+                                        <p:tgtEl>
                                           <p:spTgt spid="39"/>
                                         </p:tgtEl>
                                         <p:attrNameLst>
@@ -7064,20 +7665,20 @@
                           </p:cTn>
                         </p:par>
                         <p:par>
-                          <p:cTn id="63" fill="hold">
+                          <p:cTn id="69" fill="hold">
                             <p:stCondLst>
                               <p:cond delay="0"/>
                             </p:stCondLst>
                             <p:childTnLst>
                               <p:par>
-                                <p:cTn id="64" presetID="1" presetClass="entr" presetSubtype="0" fill="hold" grpId="0" nodeType="afterEffect">
+                                <p:cTn id="70" presetID="1" presetClass="entr" presetSubtype="0" fill="hold" grpId="0" nodeType="afterEffect">
                                   <p:stCondLst>
                                     <p:cond delay="0"/>
                                   </p:stCondLst>
                                   <p:childTnLst>
                                     <p:set>
                                       <p:cBhvr>
-                                        <p:cTn id="65" dur="1" fill="hold">
+                                        <p:cTn id="71" dur="1" fill="hold">
                                           <p:stCondLst>
                                             <p:cond delay="0"/>
                                           </p:stCondLst>
@@ -7124,26 +7725,28 @@
       </p:par>
     </p:tnLst>
     <p:bldLst>
-      <p:bldP spid="23" grpId="0" animBg="1"/>
       <p:bldP spid="29" grpId="0" animBg="1"/>
       <p:bldP spid="29" grpId="1" animBg="1"/>
       <p:bldP spid="31" grpId="0" animBg="1"/>
       <p:bldP spid="31" grpId="1" animBg="1"/>
       <p:bldP spid="32" grpId="0" animBg="1"/>
       <p:bldP spid="32" grpId="1" animBg="1"/>
+      <p:bldP spid="39" grpId="0" animBg="1"/>
+      <p:bldP spid="39" grpId="1" animBg="1"/>
+      <p:bldP spid="41" grpId="0" animBg="1"/>
+      <p:bldP spid="23" grpId="0" animBg="1"/>
+      <p:bldP spid="37" grpId="0" animBg="1"/>
+      <p:bldP spid="37" grpId="1" animBg="1"/>
+      <p:bldP spid="38" grpId="0" animBg="1"/>
+      <p:bldP spid="38" grpId="1" animBg="1"/>
       <p:bldP spid="33" grpId="0" animBg="1"/>
       <p:bldP spid="33" grpId="1" animBg="1"/>
       <p:bldP spid="35" grpId="0" animBg="1"/>
       <p:bldP spid="35" grpId="1" animBg="1"/>
-      <p:bldP spid="36" grpId="0" animBg="1"/>
-      <p:bldP spid="36" grpId="1" animBg="1"/>
-      <p:bldP spid="37" grpId="0" animBg="1"/>
-      <p:bldP spid="37" grpId="1" animBg="1"/>
-      <p:bldP spid="38" grpId="0" animBg="1"/>
-      <p:bldP spid="38" grpId="1" animBg="1"/>
-      <p:bldP spid="39" grpId="0" animBg="1"/>
-      <p:bldP spid="39" grpId="1" animBg="1"/>
-      <p:bldP spid="41" grpId="0" animBg="1"/>
+      <p:bldP spid="53" grpId="0" animBg="1"/>
+      <p:bldP spid="53" grpId="1" animBg="1"/>
+      <p:bldP spid="54" grpId="0" animBg="1"/>
+      <p:bldP spid="54" grpId="1" animBg="1"/>
     </p:bldLst>
   </p:timing>
 </p:sld>
@@ -7285,14 +7888,14 @@
       </p:sp>
       <p:sp>
         <p:nvSpPr>
-          <p:cNvPr id="4" name="Rectangle 3"/>
+          <p:cNvPr id="20" name="Rectangle 19"/>
           <p:cNvSpPr/>
           <p:nvPr/>
         </p:nvSpPr>
         <p:spPr>
           <a:xfrm>
-            <a:off x="7382275" y="5012624"/>
-            <a:ext cx="3138703" cy="825257"/>
+            <a:off x="7041417" y="5125771"/>
+            <a:ext cx="2958353" cy="833165"/>
           </a:xfrm>
           <a:prstGeom prst="rect">
             <a:avLst/>
@@ -7321,7 +7924,7 @@
             <a:pPr algn="ctr"/>
             <a:r>
               <a:rPr lang="en-US" dirty="0" smtClean="0"/>
-              <a:t>Server Thread</a:t>
+              <a:t>Server</a:t>
             </a:r>
             <a:endParaRPr lang="en-US" dirty="0"/>
           </a:p>
@@ -7329,14 +7932,14 @@
       </p:sp>
       <p:sp>
         <p:nvSpPr>
-          <p:cNvPr id="5" name="Rectangle 4"/>
+          <p:cNvPr id="21" name="Rectangle 20"/>
           <p:cNvSpPr/>
           <p:nvPr/>
         </p:nvSpPr>
         <p:spPr>
           <a:xfrm>
-            <a:off x="7393485" y="4179459"/>
-            <a:ext cx="3127493" cy="825257"/>
+            <a:off x="7038012" y="4018031"/>
+            <a:ext cx="2961756" cy="833165"/>
           </a:xfrm>
           <a:prstGeom prst="rect">
             <a:avLst/>
@@ -7387,65 +7990,21 @@
       </p:sp>
       <p:sp>
         <p:nvSpPr>
-          <p:cNvPr id="6" name="Rectangle 5"/>
+          <p:cNvPr id="24" name="Rectangle 23"/>
           <p:cNvSpPr/>
           <p:nvPr/>
         </p:nvSpPr>
         <p:spPr>
           <a:xfrm>
-            <a:off x="9366385" y="3255583"/>
-            <a:ext cx="1154593" cy="915968"/>
-          </a:xfrm>
-          <a:prstGeom prst="rect">
-            <a:avLst/>
-          </a:prstGeom>
-        </p:spPr>
-        <p:style>
-          <a:lnRef idx="2">
-            <a:schemeClr val="accent1">
-              <a:shade val="50000"/>
-            </a:schemeClr>
-          </a:lnRef>
-          <a:fillRef idx="1">
-            <a:schemeClr val="accent1"/>
-          </a:fillRef>
-          <a:effectRef idx="0">
-            <a:schemeClr val="accent1"/>
-          </a:effectRef>
-          <a:fontRef idx="minor">
-            <a:schemeClr val="lt1"/>
-          </a:fontRef>
-        </p:style>
-        <p:txBody>
-          <a:bodyPr rtlCol="0" anchor="ctr"/>
-          <a:lstStyle/>
-          <a:p>
-            <a:pPr algn="ctr"/>
-            <a:r>
-              <a:rPr lang="en-US" dirty="0" smtClean="0"/>
-              <a:t>Db File Cache</a:t>
-            </a:r>
-            <a:endParaRPr lang="en-US" dirty="0"/>
-          </a:p>
-        </p:txBody>
-      </p:sp>
-      <p:sp>
-        <p:nvSpPr>
-          <p:cNvPr id="7" name="Rectangle 6"/>
-          <p:cNvSpPr/>
-          <p:nvPr/>
-        </p:nvSpPr>
-        <p:spPr>
-          <a:xfrm>
-            <a:off x="8258348" y="3255582"/>
-            <a:ext cx="1154593" cy="915968"/>
+            <a:off x="9999768" y="4018031"/>
+            <a:ext cx="1161827" cy="833165"/>
           </a:xfrm>
           <a:prstGeom prst="rect">
             <a:avLst/>
           </a:prstGeom>
           <a:solidFill>
-            <a:schemeClr val="bg2">
-              <a:lumMod val="50000"/>
+            <a:schemeClr val="accent6">
+              <a:lumMod val="75000"/>
             </a:schemeClr>
           </a:solidFill>
         </p:spPr>
@@ -7472,7 +8031,7 @@
             <a:pPr algn="ctr"/>
             <a:r>
               <a:rPr lang="en-US" dirty="0" smtClean="0"/>
-              <a:t>Ply Cache</a:t>
+              <a:t>Db File Cache</a:t>
             </a:r>
             <a:endParaRPr lang="en-US" dirty="0"/>
           </a:p>
@@ -7480,14 +8039,63 @@
       </p:sp>
       <p:sp>
         <p:nvSpPr>
-          <p:cNvPr id="8" name="Rectangle 7"/>
+          <p:cNvPr id="25" name="Rectangle 24"/>
           <p:cNvSpPr/>
           <p:nvPr/>
         </p:nvSpPr>
         <p:spPr>
           <a:xfrm>
-            <a:off x="7261413" y="1925620"/>
-            <a:ext cx="4333486" cy="4251343"/>
+            <a:off x="9999770" y="5125771"/>
+            <a:ext cx="1161827" cy="833165"/>
+          </a:xfrm>
+          <a:prstGeom prst="rect">
+            <a:avLst/>
+          </a:prstGeom>
+          <a:solidFill>
+            <a:schemeClr val="accent1">
+              <a:lumMod val="75000"/>
+            </a:schemeClr>
+          </a:solidFill>
+        </p:spPr>
+        <p:style>
+          <a:lnRef idx="2">
+            <a:schemeClr val="accent1">
+              <a:shade val="50000"/>
+            </a:schemeClr>
+          </a:lnRef>
+          <a:fillRef idx="1">
+            <a:schemeClr val="accent1"/>
+          </a:fillRef>
+          <a:effectRef idx="0">
+            <a:schemeClr val="accent1"/>
+          </a:effectRef>
+          <a:fontRef idx="minor">
+            <a:schemeClr val="lt1"/>
+          </a:fontRef>
+        </p:style>
+        <p:txBody>
+          <a:bodyPr rtlCol="0" anchor="ctr"/>
+          <a:lstStyle/>
+          <a:p>
+            <a:pPr algn="ctr"/>
+            <a:r>
+              <a:rPr lang="en-US" dirty="0" smtClean="0"/>
+              <a:t>PCL Cache</a:t>
+            </a:r>
+            <a:endParaRPr lang="en-US" dirty="0"/>
+          </a:p>
+        </p:txBody>
+      </p:sp>
+      <p:sp>
+        <p:nvSpPr>
+          <p:cNvPr id="28" name="Rectangle 27"/>
+          <p:cNvSpPr/>
+          <p:nvPr/>
+        </p:nvSpPr>
+        <p:spPr>
+          <a:xfrm>
+            <a:off x="6872465" y="3532910"/>
+            <a:ext cx="4480560" cy="2626510"/>
           </a:xfrm>
           <a:prstGeom prst="rect">
             <a:avLst/>
@@ -7526,14 +8134,14 @@
       </p:sp>
       <p:sp>
         <p:nvSpPr>
-          <p:cNvPr id="9" name="Flowchart: Direct Access Storage 8"/>
+          <p:cNvPr id="31" name="Flowchart: Direct Access Storage 7"/>
           <p:cNvSpPr/>
           <p:nvPr/>
         </p:nvSpPr>
         <p:spPr>
           <a:xfrm rot="16200000">
-            <a:off x="10323809" y="1971785"/>
-            <a:ext cx="936311" cy="1144400"/>
+            <a:off x="10100378" y="1658157"/>
+            <a:ext cx="844474" cy="1203960"/>
           </a:xfrm>
           <a:prstGeom prst="flowChartMagneticDrum">
             <a:avLst/>
@@ -7570,16 +8178,53 @@
           </a:p>
         </p:txBody>
       </p:sp>
-      <p:sp>
-        <p:nvSpPr>
-          <p:cNvPr id="11" name="TextBox 10"/>
+      <p:cxnSp>
+        <p:nvCxnSpPr>
+          <p:cNvPr id="32" name="Elbow Connector 31"/>
+          <p:cNvCxnSpPr>
+            <a:stCxn id="21" idx="0"/>
+            <a:endCxn id="31" idx="0"/>
+          </p:cNvCxnSpPr>
+          <p:nvPr/>
+        </p:nvCxnSpPr>
+        <p:spPr>
+          <a:xfrm rot="5400000" flipH="1" flipV="1">
+            <a:off x="8340815" y="2438212"/>
+            <a:ext cx="1757894" cy="1401745"/>
+          </a:xfrm>
+          <a:prstGeom prst="bentConnector2">
+            <a:avLst/>
+          </a:prstGeom>
+          <a:ln>
+            <a:headEnd type="triangle"/>
+            <a:tailEnd type="triangle"/>
+          </a:ln>
+        </p:spPr>
+        <p:style>
+          <a:lnRef idx="1">
+            <a:schemeClr val="accent1"/>
+          </a:lnRef>
+          <a:fillRef idx="0">
+            <a:schemeClr val="accent1"/>
+          </a:fillRef>
+          <a:effectRef idx="0">
+            <a:schemeClr val="accent1"/>
+          </a:effectRef>
+          <a:fontRef idx="minor">
+            <a:schemeClr val="tx1"/>
+          </a:fontRef>
+        </p:style>
+      </p:cxnSp>
+      <p:sp>
+        <p:nvSpPr>
+          <p:cNvPr id="33" name="TextBox 32"/>
           <p:cNvSpPr txBox="1"/>
           <p:nvPr/>
         </p:nvSpPr>
         <p:spPr>
           <a:xfrm>
-            <a:off x="10372956" y="2442334"/>
-            <a:ext cx="1221943" cy="369332"/>
+            <a:off x="10115975" y="2134044"/>
+            <a:ext cx="1285539" cy="369332"/>
           </a:xfrm>
           <a:prstGeom prst="rect">
             <a:avLst/>
@@ -7593,36 +8238,32 @@
           <a:lstStyle/>
           <a:p>
             <a:r>
-              <a:rPr lang="en-US" b="1" dirty="0" smtClean="0"/>
-              <a:t> </a:t>
-            </a:r>
-            <a:r>
-              <a:rPr lang="en-US" b="1" dirty="0" err="1" smtClean="0"/>
+              <a:rPr lang="en-US" dirty="0" err="1" smtClean="0"/>
               <a:t>db</a:t>
             </a:r>
             <a:r>
-              <a:rPr lang="en-US" b="1" dirty="0" smtClean="0"/>
+              <a:rPr lang="en-US" dirty="0" smtClean="0"/>
               <a:t> file</a:t>
             </a:r>
-            <a:endParaRPr lang="en-US" b="1" dirty="0"/>
+            <a:endParaRPr lang="en-US" dirty="0"/>
           </a:p>
         </p:txBody>
       </p:sp>
       <p:cxnSp>
         <p:nvCxnSpPr>
-          <p:cNvPr id="17" name="Elbow Connector 16"/>
+          <p:cNvPr id="38" name="Straight Arrow Connector 37"/>
           <p:cNvCxnSpPr>
-            <a:stCxn id="6" idx="3"/>
-            <a:endCxn id="9" idx="1"/>
+            <a:stCxn id="20" idx="0"/>
+            <a:endCxn id="21" idx="2"/>
           </p:cNvCxnSpPr>
           <p:nvPr/>
         </p:nvCxnSpPr>
         <p:spPr>
-          <a:xfrm flipV="1">
-            <a:off x="10520978" y="3012141"/>
-            <a:ext cx="270987" cy="701426"/>
+          <a:xfrm flipH="1" flipV="1">
+            <a:off x="8518890" y="4851196"/>
+            <a:ext cx="1704" cy="274575"/>
           </a:xfrm>
-          <a:prstGeom prst="bentConnector2">
+          <a:prstGeom prst="straightConnector1">
             <a:avLst/>
           </a:prstGeom>
           <a:ln>
@@ -7699,7 +8340,7 @@
           <a:p>
             <a:r>
               <a:rPr lang="en-US" b="1" dirty="0" smtClean="0"/>
-              <a:t>Progress so far</a:t>
+              <a:t>Assumptions</a:t>
             </a:r>
             <a:endParaRPr lang="en-US" b="1" dirty="0"/>
           </a:p>
@@ -7717,89 +8358,80 @@
         </p:nvSpPr>
         <p:spPr/>
         <p:txBody>
-          <a:bodyPr>
-            <a:normAutofit/>
-          </a:bodyPr>
-          <a:lstStyle/>
-          <a:p>
+          <a:bodyPr/>
+          <a:lstStyle/>
+          <a:p>
+            <a:pPr lvl="1"/>
+            <a:r>
+              <a:rPr lang="en-US" b="1" dirty="0" smtClean="0"/>
+              <a:t>Localization</a:t>
+            </a:r>
+            <a:endParaRPr lang="en-US" b="1" dirty="0"/>
+          </a:p>
+          <a:p>
+            <a:pPr lvl="2"/>
+            <a:r>
+              <a:rPr lang="en-US" dirty="0"/>
+              <a:t>Localization is done, </a:t>
+            </a:r>
+            <a:r>
+              <a:rPr lang="en-US" dirty="0" err="1" smtClean="0"/>
+              <a:t>ie</a:t>
+            </a:r>
             <a:r>
               <a:rPr lang="en-US" dirty="0" smtClean="0"/>
-              <a:t>Server Thread</a:t>
-            </a:r>
+              <a:t>. </a:t>
+            </a:r>
+            <a:r>
+              <a:rPr lang="en-US" dirty="0"/>
+              <a:t>we have co-ordinates of the client </a:t>
+            </a:r>
+            <a:r>
+              <a:rPr lang="en-US" dirty="0" smtClean="0"/>
+              <a:t>position</a:t>
+            </a:r>
+            <a:endParaRPr lang="en-US" dirty="0"/>
           </a:p>
           <a:p>
             <a:pPr lvl="1"/>
             <a:r>
-              <a:rPr lang="en-US" dirty="0" smtClean="0"/>
-              <a:t>Server – </a:t>
-            </a:r>
-            <a:r>
-              <a:rPr lang="en-US" dirty="0" err="1" smtClean="0"/>
-              <a:t>RTabMap</a:t>
-            </a:r>
-            <a:r>
-              <a:rPr lang="en-US" dirty="0" smtClean="0"/>
-              <a:t> interface.</a:t>
+              <a:rPr lang="en-US" b="1" dirty="0"/>
+              <a:t>Client</a:t>
+            </a:r>
+          </a:p>
+          <a:p>
+            <a:pPr lvl="2"/>
+            <a:r>
+              <a:rPr lang="en-US" dirty="0"/>
+              <a:t>Has connectivity to the server.</a:t>
+            </a:r>
+          </a:p>
+          <a:p>
+            <a:pPr lvl="2"/>
+            <a:r>
+              <a:rPr lang="en-US" dirty="0"/>
+              <a:t>Try to use the Server for localization and storage.</a:t>
             </a:r>
           </a:p>
           <a:p>
             <a:pPr lvl="1"/>
             <a:r>
-              <a:rPr lang="en-US" dirty="0" smtClean="0"/>
-              <a:t>Server Client interaction.</a:t>
-            </a:r>
-          </a:p>
-          <a:p>
-            <a:r>
-              <a:rPr lang="en-US" dirty="0" err="1" smtClean="0"/>
-              <a:t>RTabMap</a:t>
-            </a:r>
-            <a:endParaRPr lang="en-US" dirty="0" smtClean="0"/>
-          </a:p>
-          <a:p>
-            <a:pPr lvl="1"/>
-            <a:r>
-              <a:rPr lang="en-US" dirty="0" smtClean="0"/>
-              <a:t>Export </a:t>
-            </a:r>
-            <a:r>
-              <a:rPr lang="en-US" dirty="0" err="1" smtClean="0"/>
-              <a:t>db</a:t>
-            </a:r>
+              <a:rPr lang="en-US" b="1" dirty="0"/>
+              <a:t>Server</a:t>
+            </a:r>
+          </a:p>
+          <a:p>
+            <a:pPr lvl="2"/>
             <a:r>
               <a:rPr lang="en-US" dirty="0"/>
-              <a:t>-</a:t>
-            </a:r>
-            <a:r>
-              <a:rPr lang="en-US" dirty="0" smtClean="0"/>
-              <a:t>file to point-cloud into memory.</a:t>
-            </a:r>
-          </a:p>
-          <a:p>
-            <a:pPr lvl="1"/>
-            <a:r>
-              <a:rPr lang="en-US" dirty="0" smtClean="0"/>
-              <a:t>Send part of point cloud file to client based on client-position.</a:t>
-            </a:r>
-          </a:p>
-          <a:p>
-            <a:r>
-              <a:rPr lang="en-US" dirty="0" smtClean="0"/>
-              <a:t>Client process</a:t>
-            </a:r>
-          </a:p>
-          <a:p>
-            <a:pPr lvl="1"/>
-            <a:r>
-              <a:rPr lang="en-US" dirty="0" smtClean="0"/>
-              <a:t>Client - Server interaction.</a:t>
-            </a:r>
-          </a:p>
-          <a:p>
-            <a:pPr lvl="1"/>
-            <a:r>
-              <a:rPr lang="en-US" dirty="0" smtClean="0"/>
-              <a:t>Client - point cloud viewer integration.</a:t>
+              <a:t>Has enough memory to store the point cloud on memory (or) can store on storage and fetch it back by taking a small hit on performance.</a:t>
+            </a:r>
+          </a:p>
+          <a:p>
+            <a:pPr lvl="2"/>
+            <a:r>
+              <a:rPr lang="en-US" dirty="0"/>
+              <a:t>Serves the requests by clients in a state-less fashion.</a:t>
             </a:r>
           </a:p>
         </p:txBody>
@@ -7807,20 +8439,13 @@
     </p:spTree>
     <p:extLst>
       <p:ext uri="{BB962C8B-B14F-4D97-AF65-F5344CB8AC3E}">
-        <p14:creationId xmlns:p14="http://schemas.microsoft.com/office/powerpoint/2010/main" val="3000242010"/>
+        <p14:creationId xmlns:p14="http://schemas.microsoft.com/office/powerpoint/2010/main" val="4223028670"/>
       </p:ext>
     </p:extLst>
   </p:cSld>
   <p:clrMapOvr>
     <a:masterClrMapping/>
   </p:clrMapOvr>
-  <p:timing>
-    <p:tnLst>
-      <p:par>
-        <p:cTn id="1" dur="indefinite" restart="never" nodeType="tmRoot"/>
-      </p:par>
-    </p:tnLst>
-  </p:timing>
 </p:sld>
 </file>
 
